--- a/test/pptx/speaker-notes-afterheader/output.pptx
+++ b/test/pptx/speaker-notes-afterheader/output.pptx
@@ -5,7 +5,7 @@
     <p:sldMasterId id="2147483648" r:id="rId1"/>
   </p:sldMasterIdLst>
   <p:notesMasterIdLst>
-    <p:NotesMasterId r:id="rId3"/>
+    <p:notesMasterId r:id="rId3"/>
   </p:notesMasterIdLst>
   <p:sldIdLst>
     <p:sldId id="256" r:id="rId2"/>

--- a/test/pptx/speaker-notes-afterheader/output.pptx
+++ b/test/pptx/speaker-notes-afterheader/output.pptx
@@ -3052,7 +3052,7 @@
 </file>
 
 <file path=ppt/slideMasters/slideMaster1.xml><?xml version="1.0" encoding="utf-8"?>
-<p:sldMaster xmlns:a="http://schemas.openxmlformats.org/drawingml/2006/main" xmlns:r="http://schemas.openxmlformats.org/officeDocument/2006/relationships" xmlns:p="http://schemas.openxmlformats.org/presentationml/2006/main">
+<p:sldMaster xmlns:a="http://schemas.openxmlformats.org/drawingml/2006/main" xmlns:p="http://schemas.openxmlformats.org/presentationml/2006/main" xmlns:r="http://schemas.openxmlformats.org/officeDocument/2006/relationships">
   <p:cSld>
     <p:bg>
       <p:bgRef idx="1001">
@@ -3093,7 +3093,7 @@
           </a:prstGeom>
         </p:spPr>
         <p:txBody>
-          <a:bodyPr vert="horz" lIns="91440" tIns="45720" rIns="91440" bIns="45720" rtlCol="0" anchor="ctr">
+          <a:bodyPr anchor="ctr" bIns="45720" lIns="91440" rIns="91440" rtlCol="0" tIns="45720" vert="horz">
             <a:normAutofit/>
           </a:bodyPr>
           <a:lstStyle/>
@@ -3113,7 +3113,7 @@
             <a:spLocks noGrp="1"/>
           </p:cNvSpPr>
           <p:nvPr>
-            <p:ph type="body" idx="1"/>
+            <p:ph idx="1" type="body"/>
           </p:nvPr>
         </p:nvSpPr>
         <p:spPr>
@@ -3126,7 +3126,7 @@
           </a:prstGeom>
         </p:spPr>
         <p:txBody>
-          <a:bodyPr vert="horz" lIns="91440" tIns="45720" rIns="91440" bIns="45720" rtlCol="0">
+          <a:bodyPr bIns="45720" lIns="91440" rIns="91440" rtlCol="0" tIns="45720" vert="horz">
             <a:normAutofit/>
           </a:bodyPr>
           <a:lstStyle/>
@@ -3175,7 +3175,7 @@
             <a:spLocks noGrp="1"/>
           </p:cNvSpPr>
           <p:nvPr>
-            <p:ph type="dt" sz="half" idx="2"/>
+            <p:ph idx="2" sz="half" type="dt"/>
           </p:nvPr>
         </p:nvSpPr>
         <p:spPr>
@@ -3188,7 +3188,7 @@
           </a:prstGeom>
         </p:spPr>
         <p:txBody>
-          <a:bodyPr vert="horz" lIns="91440" tIns="45720" rIns="91440" bIns="45720" rtlCol="0" anchor="ctr"/>
+          <a:bodyPr anchor="ctr" bIns="45720" lIns="91440" rIns="91440" rtlCol="0" tIns="45720" vert="horz"/>
           <a:lstStyle>
             <a:lvl1pPr algn="l">
               <a:defRPr sz="1200">
@@ -3216,7 +3216,7 @@
             <a:spLocks noGrp="1"/>
           </p:cNvSpPr>
           <p:nvPr>
-            <p:ph type="ftr" sz="quarter" idx="3"/>
+            <p:ph idx="3" sz="quarter" type="ftr"/>
           </p:nvPr>
         </p:nvSpPr>
         <p:spPr>
@@ -3229,7 +3229,7 @@
           </a:prstGeom>
         </p:spPr>
         <p:txBody>
-          <a:bodyPr vert="horz" lIns="91440" tIns="45720" rIns="91440" bIns="45720" rtlCol="0" anchor="ctr"/>
+          <a:bodyPr anchor="ctr" bIns="45720" lIns="91440" rIns="91440" rtlCol="0" tIns="45720" vert="horz"/>
           <a:lstStyle>
             <a:lvl1pPr algn="ctr">
               <a:defRPr sz="1200">
@@ -3253,7 +3253,7 @@
             <a:spLocks noGrp="1"/>
           </p:cNvSpPr>
           <p:nvPr>
-            <p:ph type="sldNum" sz="quarter" idx="4"/>
+            <p:ph idx="4" sz="quarter" type="sldNum"/>
           </p:nvPr>
         </p:nvSpPr>
         <p:spPr>
@@ -3266,7 +3266,7 @@
           </a:prstGeom>
         </p:spPr>
         <p:txBody>
-          <a:bodyPr vert="horz" lIns="91440" tIns="45720" rIns="91440" bIns="45720" rtlCol="0" anchor="ctr"/>
+          <a:bodyPr anchor="ctr" bIns="45720" lIns="91440" rIns="91440" rtlCol="0" tIns="45720" vert="horz"/>
           <a:lstStyle>
             <a:lvl1pPr algn="r">
               <a:defRPr sz="1200">
@@ -3294,7 +3294,7 @@
       </p:ext>
     </p:extLst>
   </p:cSld>
-  <p:clrMap bg1="lt1" tx1="dk1" bg2="lt2" tx2="dk2" accent1="accent1" accent2="accent2" accent3="accent3" accent4="accent4" accent5="accent5" accent6="accent6" hlink="hlink" folHlink="folHlink"/>
+  <p:clrMap accent1="accent1" accent2="accent2" accent3="accent3" accent4="accent4" accent5="accent5" accent6="accent6" bg1="lt1" bg2="lt2" folHlink="folHlink" hlink="hlink" tx1="dk1" tx2="dk2"/>
   <p:sldLayoutIdLst>
     <p:sldLayoutId id="2147483649" r:id="rId1"/>
     <p:sldLayoutId id="2147483650" r:id="rId2"/>
@@ -3310,12 +3310,12 @@
   </p:sldLayoutIdLst>
   <p:txStyles>
     <p:titleStyle>
-      <a:lvl1pPr algn="ctr" defTabSz="457200" rtl="0" eaLnBrk="1" latinLnBrk="0" hangingPunct="1">
+      <a:lvl1pPr algn="ctr" defTabSz="457200" eaLnBrk="1" hangingPunct="1" latinLnBrk="0" rtl="0">
         <a:spcBef>
           <a:spcPct val="0"/>
         </a:spcBef>
         <a:buNone/>
-        <a:defRPr sz="4400" kern="1200">
+        <a:defRPr kern="1200" sz="4400">
           <a:solidFill>
             <a:schemeClr val="tx1"/>
           </a:solidFill>
@@ -3326,13 +3326,13 @@
       </a:lvl1pPr>
     </p:titleStyle>
     <p:bodyStyle>
-      <a:lvl1pPr marL="342900" indent="-342900" algn="l" defTabSz="457200" rtl="0" eaLnBrk="1" latinLnBrk="0" hangingPunct="1">
+      <a:lvl1pPr algn="l" defTabSz="457200" eaLnBrk="1" hangingPunct="1" indent="-342900" latinLnBrk="0" marL="342900" rtl="0">
         <a:spcBef>
           <a:spcPct val="20000"/>
         </a:spcBef>
         <a:buFont typeface="Arial"/>
         <a:buChar char="•"/>
-        <a:defRPr sz="3200" kern="1200">
+        <a:defRPr kern="1200" sz="3200">
           <a:solidFill>
             <a:schemeClr val="tx1"/>
           </a:solidFill>
@@ -3341,13 +3341,13 @@
           <a:cs typeface="+mn-cs"/>
         </a:defRPr>
       </a:lvl1pPr>
-      <a:lvl2pPr marL="742950" indent="-285750" algn="l" defTabSz="457200" rtl="0" eaLnBrk="1" latinLnBrk="0" hangingPunct="1">
+      <a:lvl2pPr algn="l" defTabSz="457200" eaLnBrk="1" hangingPunct="1" indent="-285750" latinLnBrk="0" marL="742950" rtl="0">
         <a:spcBef>
           <a:spcPct val="20000"/>
         </a:spcBef>
         <a:buFont typeface="Arial"/>
         <a:buChar char="–"/>
-        <a:defRPr sz="2800" kern="1200">
+        <a:defRPr kern="1200" sz="2800">
           <a:solidFill>
             <a:schemeClr val="tx1"/>
           </a:solidFill>
@@ -3356,13 +3356,13 @@
           <a:cs typeface="+mn-cs"/>
         </a:defRPr>
       </a:lvl2pPr>
-      <a:lvl3pPr marL="1143000" indent="-228600" algn="l" defTabSz="457200" rtl="0" eaLnBrk="1" latinLnBrk="0" hangingPunct="1">
+      <a:lvl3pPr algn="l" defTabSz="457200" eaLnBrk="1" hangingPunct="1" indent="-228600" latinLnBrk="0" marL="1143000" rtl="0">
         <a:spcBef>
           <a:spcPct val="20000"/>
         </a:spcBef>
         <a:buFont typeface="Arial"/>
         <a:buChar char="•"/>
-        <a:defRPr sz="2400" kern="1200">
+        <a:defRPr kern="1200" sz="2400">
           <a:solidFill>
             <a:schemeClr val="tx1"/>
           </a:solidFill>
@@ -3371,13 +3371,13 @@
           <a:cs typeface="+mn-cs"/>
         </a:defRPr>
       </a:lvl3pPr>
-      <a:lvl4pPr marL="1600200" indent="-228600" algn="l" defTabSz="457200" rtl="0" eaLnBrk="1" latinLnBrk="0" hangingPunct="1">
+      <a:lvl4pPr algn="l" defTabSz="457200" eaLnBrk="1" hangingPunct="1" indent="-228600" latinLnBrk="0" marL="1600200" rtl="0">
         <a:spcBef>
           <a:spcPct val="20000"/>
         </a:spcBef>
         <a:buFont typeface="Arial"/>
         <a:buChar char="–"/>
-        <a:defRPr sz="2000" kern="1200">
+        <a:defRPr kern="1200" sz="2000">
           <a:solidFill>
             <a:schemeClr val="tx1"/>
           </a:solidFill>
@@ -3386,13 +3386,13 @@
           <a:cs typeface="+mn-cs"/>
         </a:defRPr>
       </a:lvl4pPr>
-      <a:lvl5pPr marL="2057400" indent="-228600" algn="l" defTabSz="457200" rtl="0" eaLnBrk="1" latinLnBrk="0" hangingPunct="1">
+      <a:lvl5pPr algn="l" defTabSz="457200" eaLnBrk="1" hangingPunct="1" indent="-228600" latinLnBrk="0" marL="2057400" rtl="0">
         <a:spcBef>
           <a:spcPct val="20000"/>
         </a:spcBef>
         <a:buFont typeface="Arial"/>
         <a:buChar char="»"/>
-        <a:defRPr sz="2000" kern="1200">
+        <a:defRPr kern="1200" sz="2000">
           <a:solidFill>
             <a:schemeClr val="tx1"/>
           </a:solidFill>
@@ -3401,13 +3401,13 @@
           <a:cs typeface="+mn-cs"/>
         </a:defRPr>
       </a:lvl5pPr>
-      <a:lvl6pPr marL="2514600" indent="-228600" algn="l" defTabSz="457200" rtl="0" eaLnBrk="1" latinLnBrk="0" hangingPunct="1">
+      <a:lvl6pPr algn="l" defTabSz="457200" eaLnBrk="1" hangingPunct="1" indent="-228600" latinLnBrk="0" marL="2514600" rtl="0">
         <a:spcBef>
           <a:spcPct val="20000"/>
         </a:spcBef>
         <a:buFont typeface="Arial"/>
         <a:buChar char="•"/>
-        <a:defRPr sz="2000" kern="1200">
+        <a:defRPr kern="1200" sz="2000">
           <a:solidFill>
             <a:schemeClr val="tx1"/>
           </a:solidFill>
@@ -3416,13 +3416,13 @@
           <a:cs typeface="+mn-cs"/>
         </a:defRPr>
       </a:lvl6pPr>
-      <a:lvl7pPr marL="2971800" indent="-228600" algn="l" defTabSz="457200" rtl="0" eaLnBrk="1" latinLnBrk="0" hangingPunct="1">
+      <a:lvl7pPr algn="l" defTabSz="457200" eaLnBrk="1" hangingPunct="1" indent="-228600" latinLnBrk="0" marL="2971800" rtl="0">
         <a:spcBef>
           <a:spcPct val="20000"/>
         </a:spcBef>
         <a:buFont typeface="Arial"/>
         <a:buChar char="•"/>
-        <a:defRPr sz="2000" kern="1200">
+        <a:defRPr kern="1200" sz="2000">
           <a:solidFill>
             <a:schemeClr val="tx1"/>
           </a:solidFill>
@@ -3431,13 +3431,13 @@
           <a:cs typeface="+mn-cs"/>
         </a:defRPr>
       </a:lvl7pPr>
-      <a:lvl8pPr marL="3429000" indent="-228600" algn="l" defTabSz="457200" rtl="0" eaLnBrk="1" latinLnBrk="0" hangingPunct="1">
+      <a:lvl8pPr algn="l" defTabSz="457200" eaLnBrk="1" hangingPunct="1" indent="-228600" latinLnBrk="0" marL="3429000" rtl="0">
         <a:spcBef>
           <a:spcPct val="20000"/>
         </a:spcBef>
         <a:buFont typeface="Arial"/>
         <a:buChar char="•"/>
-        <a:defRPr sz="2000" kern="1200">
+        <a:defRPr kern="1200" sz="2000">
           <a:solidFill>
             <a:schemeClr val="tx1"/>
           </a:solidFill>
@@ -3446,13 +3446,13 @@
           <a:cs typeface="+mn-cs"/>
         </a:defRPr>
       </a:lvl8pPr>
-      <a:lvl9pPr marL="3886200" indent="-228600" algn="l" defTabSz="457200" rtl="0" eaLnBrk="1" latinLnBrk="0" hangingPunct="1">
+      <a:lvl9pPr algn="l" defTabSz="457200" eaLnBrk="1" hangingPunct="1" indent="-228600" latinLnBrk="0" marL="3886200" rtl="0">
         <a:spcBef>
           <a:spcPct val="20000"/>
         </a:spcBef>
         <a:buFont typeface="Arial"/>
         <a:buChar char="•"/>
-        <a:defRPr sz="2000" kern="1200">
+        <a:defRPr kern="1200" sz="2000">
           <a:solidFill>
             <a:schemeClr val="tx1"/>
           </a:solidFill>
@@ -3466,8 +3466,8 @@
       <a:defPPr>
         <a:defRPr lang="en-US"/>
       </a:defPPr>
-      <a:lvl1pPr marL="0" algn="l" defTabSz="457200" rtl="0" eaLnBrk="1" latinLnBrk="0" hangingPunct="1">
-        <a:defRPr sz="1800" kern="1200">
+      <a:lvl1pPr algn="l" defTabSz="457200" eaLnBrk="1" hangingPunct="1" latinLnBrk="0" marL="0" rtl="0">
+        <a:defRPr kern="1200" sz="1800">
           <a:solidFill>
             <a:schemeClr val="tx1"/>
           </a:solidFill>
@@ -3476,8 +3476,8 @@
           <a:cs typeface="+mn-cs"/>
         </a:defRPr>
       </a:lvl1pPr>
-      <a:lvl2pPr marL="457200" algn="l" defTabSz="457200" rtl="0" eaLnBrk="1" latinLnBrk="0" hangingPunct="1">
-        <a:defRPr sz="1800" kern="1200">
+      <a:lvl2pPr algn="l" defTabSz="457200" eaLnBrk="1" hangingPunct="1" latinLnBrk="0" marL="457200" rtl="0">
+        <a:defRPr kern="1200" sz="1800">
           <a:solidFill>
             <a:schemeClr val="tx1"/>
           </a:solidFill>
@@ -3486,8 +3486,8 @@
           <a:cs typeface="+mn-cs"/>
         </a:defRPr>
       </a:lvl2pPr>
-      <a:lvl3pPr marL="914400" algn="l" defTabSz="457200" rtl="0" eaLnBrk="1" latinLnBrk="0" hangingPunct="1">
-        <a:defRPr sz="1800" kern="1200">
+      <a:lvl3pPr algn="l" defTabSz="457200" eaLnBrk="1" hangingPunct="1" latinLnBrk="0" marL="914400" rtl="0">
+        <a:defRPr kern="1200" sz="1800">
           <a:solidFill>
             <a:schemeClr val="tx1"/>
           </a:solidFill>
@@ -3496,8 +3496,8 @@
           <a:cs typeface="+mn-cs"/>
         </a:defRPr>
       </a:lvl3pPr>
-      <a:lvl4pPr marL="1371600" algn="l" defTabSz="457200" rtl="0" eaLnBrk="1" latinLnBrk="0" hangingPunct="1">
-        <a:defRPr sz="1800" kern="1200">
+      <a:lvl4pPr algn="l" defTabSz="457200" eaLnBrk="1" hangingPunct="1" latinLnBrk="0" marL="1371600" rtl="0">
+        <a:defRPr kern="1200" sz="1800">
           <a:solidFill>
             <a:schemeClr val="tx1"/>
           </a:solidFill>
@@ -3506,8 +3506,8 @@
           <a:cs typeface="+mn-cs"/>
         </a:defRPr>
       </a:lvl4pPr>
-      <a:lvl5pPr marL="1828800" algn="l" defTabSz="457200" rtl="0" eaLnBrk="1" latinLnBrk="0" hangingPunct="1">
-        <a:defRPr sz="1800" kern="1200">
+      <a:lvl5pPr algn="l" defTabSz="457200" eaLnBrk="1" hangingPunct="1" latinLnBrk="0" marL="1828800" rtl="0">
+        <a:defRPr kern="1200" sz="1800">
           <a:solidFill>
             <a:schemeClr val="tx1"/>
           </a:solidFill>
@@ -3516,8 +3516,8 @@
           <a:cs typeface="+mn-cs"/>
         </a:defRPr>
       </a:lvl5pPr>
-      <a:lvl6pPr marL="2286000" algn="l" defTabSz="457200" rtl="0" eaLnBrk="1" latinLnBrk="0" hangingPunct="1">
-        <a:defRPr sz="1800" kern="1200">
+      <a:lvl6pPr algn="l" defTabSz="457200" eaLnBrk="1" hangingPunct="1" latinLnBrk="0" marL="2286000" rtl="0">
+        <a:defRPr kern="1200" sz="1800">
           <a:solidFill>
             <a:schemeClr val="tx1"/>
           </a:solidFill>
@@ -3526,8 +3526,8 @@
           <a:cs typeface="+mn-cs"/>
         </a:defRPr>
       </a:lvl6pPr>
-      <a:lvl7pPr marL="2743200" algn="l" defTabSz="457200" rtl="0" eaLnBrk="1" latinLnBrk="0" hangingPunct="1">
-        <a:defRPr sz="1800" kern="1200">
+      <a:lvl7pPr algn="l" defTabSz="457200" eaLnBrk="1" hangingPunct="1" latinLnBrk="0" marL="2743200" rtl="0">
+        <a:defRPr kern="1200" sz="1800">
           <a:solidFill>
             <a:schemeClr val="tx1"/>
           </a:solidFill>
@@ -3536,8 +3536,8 @@
           <a:cs typeface="+mn-cs"/>
         </a:defRPr>
       </a:lvl7pPr>
-      <a:lvl8pPr marL="3200400" algn="l" defTabSz="457200" rtl="0" eaLnBrk="1" latinLnBrk="0" hangingPunct="1">
-        <a:defRPr sz="1800" kern="1200">
+      <a:lvl8pPr algn="l" defTabSz="457200" eaLnBrk="1" hangingPunct="1" latinLnBrk="0" marL="3200400" rtl="0">
+        <a:defRPr kern="1200" sz="1800">
           <a:solidFill>
             <a:schemeClr val="tx1"/>
           </a:solidFill>
@@ -3546,8 +3546,8 @@
           <a:cs typeface="+mn-cs"/>
         </a:defRPr>
       </a:lvl8pPr>
-      <a:lvl9pPr marL="3657600" algn="l" defTabSz="457200" rtl="0" eaLnBrk="1" latinLnBrk="0" hangingPunct="1">
-        <a:defRPr sz="1800" kern="1200">
+      <a:lvl9pPr algn="l" defTabSz="457200" eaLnBrk="1" hangingPunct="1" latinLnBrk="0" marL="3657600" rtl="0">
+        <a:defRPr kern="1200" sz="1800">
           <a:solidFill>
             <a:schemeClr val="tx1"/>
           </a:solidFill>

--- a/test/pptx/speaker-notes-afterheader/output.pptx
+++ b/test/pptx/speaker-notes-afterheader/output.pptx
@@ -520,7 +520,7 @@
           <a:bodyPr/>
           <a:lstStyle/>
           <a:p>
-            <a:pPr lvl="0" marL="0" indent="0">
+            <a:pPr lvl="0" indent="0" marL="0">
               <a:buNone/>
             </a:pPr>
             <a:r>
@@ -3294,7 +3294,7 @@
       </a:lvl1pPr>
     </p:titleStyle>
     <p:bodyStyle>
-      <a:lvl1pPr algn="l" defTabSz="457200" eaLnBrk="1" hangingPunct="1" indent="-342900" latinLnBrk="0" marL="342900" rtl="0">
+      <a:lvl1pPr algn="l" defTabSz="457200" eaLnBrk="1" hangingPunct="1" indent="-457200" latinLnBrk="0" marL="457200" rtl="0">
         <a:spcBef>
           <a:spcPct val="20000"/>
         </a:spcBef>
@@ -3309,7 +3309,7 @@
           <a:cs typeface="+mn-cs"/>
         </a:defRPr>
       </a:lvl1pPr>
-      <a:lvl2pPr algn="l" defTabSz="457200" eaLnBrk="1" hangingPunct="1" indent="-285750" latinLnBrk="0" marL="742950" rtl="0">
+      <a:lvl2pPr algn="l" defTabSz="457200" eaLnBrk="1" hangingPunct="1" indent="-457200" latinLnBrk="0" marL="914400" rtl="0">
         <a:spcBef>
           <a:spcPct val="20000"/>
         </a:spcBef>
@@ -3324,7 +3324,7 @@
           <a:cs typeface="+mn-cs"/>
         </a:defRPr>
       </a:lvl2pPr>
-      <a:lvl3pPr algn="l" defTabSz="457200" eaLnBrk="1" hangingPunct="1" indent="-228600" latinLnBrk="0" marL="1143000" rtl="0">
+      <a:lvl3pPr algn="l" defTabSz="457200" eaLnBrk="1" hangingPunct="1" indent="-457200" latinLnBrk="0" marL="1371600" rtl="0">
         <a:spcBef>
           <a:spcPct val="20000"/>
         </a:spcBef>
@@ -3339,7 +3339,7 @@
           <a:cs typeface="+mn-cs"/>
         </a:defRPr>
       </a:lvl3pPr>
-      <a:lvl4pPr algn="l" defTabSz="457200" eaLnBrk="1" hangingPunct="1" indent="-228600" latinLnBrk="0" marL="1600200" rtl="0">
+      <a:lvl4pPr algn="l" defTabSz="457200" eaLnBrk="1" hangingPunct="1" indent="-457200" latinLnBrk="0" marL="1828800" rtl="0">
         <a:spcBef>
           <a:spcPct val="20000"/>
         </a:spcBef>
@@ -3354,7 +3354,7 @@
           <a:cs typeface="+mn-cs"/>
         </a:defRPr>
       </a:lvl4pPr>
-      <a:lvl5pPr algn="l" defTabSz="457200" eaLnBrk="1" hangingPunct="1" indent="-228600" latinLnBrk="0" marL="2057400" rtl="0">
+      <a:lvl5pPr algn="l" defTabSz="457200" eaLnBrk="1" hangingPunct="1" indent="-457200" latinLnBrk="0" marL="2286000" rtl="0">
         <a:spcBef>
           <a:spcPct val="20000"/>
         </a:spcBef>
@@ -3369,7 +3369,7 @@
           <a:cs typeface="+mn-cs"/>
         </a:defRPr>
       </a:lvl5pPr>
-      <a:lvl6pPr algn="l" defTabSz="457200" eaLnBrk="1" hangingPunct="1" indent="-228600" latinLnBrk="0" marL="2514600" rtl="0">
+      <a:lvl6pPr algn="l" defTabSz="457200" eaLnBrk="1" hangingPunct="1" indent="-457200" latinLnBrk="0" marL="2743200" rtl="0">
         <a:spcBef>
           <a:spcPct val="20000"/>
         </a:spcBef>
@@ -3384,7 +3384,7 @@
           <a:cs typeface="+mn-cs"/>
         </a:defRPr>
       </a:lvl6pPr>
-      <a:lvl7pPr algn="l" defTabSz="457200" eaLnBrk="1" hangingPunct="1" indent="-228600" latinLnBrk="0" marL="2971800" rtl="0">
+      <a:lvl7pPr algn="l" defTabSz="457200" eaLnBrk="1" hangingPunct="1" indent="-457200" latinLnBrk="0" marL="3200400" rtl="0">
         <a:spcBef>
           <a:spcPct val="20000"/>
         </a:spcBef>
@@ -3399,7 +3399,7 @@
           <a:cs typeface="+mn-cs"/>
         </a:defRPr>
       </a:lvl7pPr>
-      <a:lvl8pPr algn="l" defTabSz="457200" eaLnBrk="1" hangingPunct="1" indent="-228600" latinLnBrk="0" marL="3429000" rtl="0">
+      <a:lvl8pPr algn="l" defTabSz="457200" eaLnBrk="1" hangingPunct="1" indent="-457200" latinLnBrk="0" marL="3657600" rtl="0">
         <a:spcBef>
           <a:spcPct val="20000"/>
         </a:spcBef>
@@ -3414,7 +3414,7 @@
           <a:cs typeface="+mn-cs"/>
         </a:defRPr>
       </a:lvl8pPr>
-      <a:lvl9pPr algn="l" defTabSz="457200" eaLnBrk="1" hangingPunct="1" indent="-228600" latinLnBrk="0" marL="3886200" rtl="0">
+      <a:lvl9pPr algn="l" defTabSz="457200" eaLnBrk="1" hangingPunct="1" indent="-457200" latinLnBrk="0" marL="4114800" rtl="0">
         <a:spcBef>
           <a:spcPct val="20000"/>
         </a:spcBef>
@@ -3561,7 +3561,7 @@
           <a:bodyPr/>
           <a:lstStyle/>
           <a:p>
-            <a:pPr lvl="0" marL="0" indent="0">
+            <a:pPr lvl="0" indent="0" marL="0">
               <a:buNone/>
             </a:pPr>
             <a:r>

--- a/test/pptx/speaker-notes-afterheader/output.pptx
+++ b/test/pptx/speaker-notes-afterheader/output.pptx
@@ -525,39 +525,7 @@
             </a:pPr>
             <a:r>
               <a:rPr/>
-              <a:t>and</a:t>
-            </a:r>
-            <a:r>
-              <a:rPr/>
-              <a:t> </a:t>
-            </a:r>
-            <a:r>
-              <a:rPr/>
-              <a:t>here</a:t>
-            </a:r>
-            <a:r>
-              <a:rPr/>
-              <a:t> </a:t>
-            </a:r>
-            <a:r>
-              <a:rPr/>
-              <a:t>are</a:t>
-            </a:r>
-            <a:r>
-              <a:rPr/>
-              <a:t> </a:t>
-            </a:r>
-            <a:r>
-              <a:rPr/>
-              <a:t>some</a:t>
-            </a:r>
-            <a:r>
-              <a:rPr/>
-              <a:t> </a:t>
-            </a:r>
-            <a:r>
-              <a:rPr/>
-              <a:t>notes</a:t>
+              <a:t>and here are some notes</a:t>
             </a:r>
           </a:p>
         </p:txBody>
@@ -3598,39 +3566,7 @@
             </a:pPr>
             <a:r>
               <a:rPr/>
-              <a:t>Here</a:t>
-            </a:r>
-            <a:r>
-              <a:rPr/>
-              <a:t> </a:t>
-            </a:r>
-            <a:r>
-              <a:rPr/>
-              <a:t>is</a:t>
-            </a:r>
-            <a:r>
-              <a:rPr/>
-              <a:t> </a:t>
-            </a:r>
-            <a:r>
-              <a:rPr/>
-              <a:t>a</a:t>
-            </a:r>
-            <a:r>
-              <a:rPr/>
-              <a:t> </a:t>
-            </a:r>
-            <a:r>
-              <a:rPr/>
-              <a:t>single</a:t>
-            </a:r>
-            <a:r>
-              <a:rPr/>
-              <a:t> </a:t>
-            </a:r>
-            <a:r>
-              <a:rPr/>
-              <a:t>header</a:t>
+              <a:t>Here is a single header</a:t>
             </a:r>
           </a:p>
         </p:txBody>

--- a/test/pptx/speaker-notes-afterheader/output.pptx
+++ b/test/pptx/speaker-notes-afterheader/output.pptx
@@ -525,35 +525,19 @@
             </a:pPr>
             <a:r>
               <a:rPr/>
-              <a:t>and</a:t>
+              <a:t>and </a:t>
             </a:r>
             <a:r>
               <a:rPr/>
-              <a:t> </a:t>
+              <a:t>here </a:t>
             </a:r>
             <a:r>
               <a:rPr/>
-              <a:t>here</a:t>
+              <a:t>are </a:t>
             </a:r>
             <a:r>
               <a:rPr/>
-              <a:t> </a:t>
-            </a:r>
-            <a:r>
-              <a:rPr/>
-              <a:t>are</a:t>
-            </a:r>
-            <a:r>
-              <a:rPr/>
-              <a:t> </a:t>
-            </a:r>
-            <a:r>
-              <a:rPr/>
-              <a:t>some</a:t>
-            </a:r>
-            <a:r>
-              <a:rPr/>
-              <a:t> </a:t>
+              <a:t>some </a:t>
             </a:r>
             <a:r>
               <a:rPr/>
@@ -3598,35 +3582,19 @@
             </a:pPr>
             <a:r>
               <a:rPr/>
-              <a:t>Here</a:t>
+              <a:t>Here </a:t>
             </a:r>
             <a:r>
               <a:rPr/>
-              <a:t> </a:t>
+              <a:t>is </a:t>
             </a:r>
             <a:r>
               <a:rPr/>
-              <a:t>is</a:t>
+              <a:t>a </a:t>
             </a:r>
             <a:r>
               <a:rPr/>
-              <a:t> </a:t>
-            </a:r>
-            <a:r>
-              <a:rPr/>
-              <a:t>a</a:t>
-            </a:r>
-            <a:r>
-              <a:rPr/>
-              <a:t> </a:t>
-            </a:r>
-            <a:r>
-              <a:rPr/>
-              <a:t>single</a:t>
-            </a:r>
-            <a:r>
-              <a:rPr/>
-              <a:t> </a:t>
+              <a:t>single </a:t>
             </a:r>
             <a:r>
               <a:rPr/>

--- a/test/pptx/speaker-notes-afterheader/output.pptx
+++ b/test/pptx/speaker-notes-afterheader/output.pptx
@@ -525,19 +525,35 @@
             </a:pPr>
             <a:r>
               <a:rPr/>
-              <a:t>and </a:t>
+              <a:t>and</a:t>
             </a:r>
             <a:r>
               <a:rPr/>
-              <a:t>here </a:t>
+              <a:t> </a:t>
             </a:r>
             <a:r>
               <a:rPr/>
-              <a:t>are </a:t>
+              <a:t>here</a:t>
             </a:r>
             <a:r>
               <a:rPr/>
-              <a:t>some </a:t>
+              <a:t> </a:t>
+            </a:r>
+            <a:r>
+              <a:rPr/>
+              <a:t>are</a:t>
+            </a:r>
+            <a:r>
+              <a:rPr/>
+              <a:t> </a:t>
+            </a:r>
+            <a:r>
+              <a:rPr/>
+              <a:t>some</a:t>
+            </a:r>
+            <a:r>
+              <a:rPr/>
+              <a:t> </a:t>
             </a:r>
             <a:r>
               <a:rPr/>
@@ -3582,19 +3598,35 @@
             </a:pPr>
             <a:r>
               <a:rPr/>
-              <a:t>Here </a:t>
+              <a:t>Here</a:t>
             </a:r>
             <a:r>
               <a:rPr/>
-              <a:t>is </a:t>
+              <a:t> </a:t>
             </a:r>
             <a:r>
               <a:rPr/>
-              <a:t>a </a:t>
+              <a:t>is</a:t>
             </a:r>
             <a:r>
               <a:rPr/>
-              <a:t>single </a:t>
+              <a:t> </a:t>
+            </a:r>
+            <a:r>
+              <a:rPr/>
+              <a:t>a</a:t>
+            </a:r>
+            <a:r>
+              <a:rPr/>
+              <a:t> </a:t>
+            </a:r>
+            <a:r>
+              <a:rPr/>
+              <a:t>single</a:t>
+            </a:r>
+            <a:r>
+              <a:rPr/>
+              <a:t> </a:t>
             </a:r>
             <a:r>
               <a:rPr/>

--- a/test/pptx/speaker-notes-afterheader/output.pptx
+++ b/test/pptx/speaker-notes-afterheader/output.pptx
@@ -10,7 +10,7 @@
   <p:sldIdLst>
     <p:sldId id="256" r:id="rId2"/>
   </p:sldIdLst>
-  <p:sldSz cx="9144000" cy="6858000" type="screen4x3"/>
+  <p:sldSz cx="9144000" cy="5143500" type="screen16x9"/>
   <p:notesSz cx="6858000" cy="9144000"/>
   <p:defaultTextStyle>
     <a:defPPr>
@@ -110,12 +110,12 @@
   <p:extLst>
     <p:ext uri="{EFAFB233-063F-42B5-8137-9DF3F51BA10A}">
       <p15:sldGuideLst xmlns:p15="http://schemas.microsoft.com/office/powerpoint/2012/main">
-        <p15:guide id="1" orient="horz" pos="2160">
+        <p15:guide id="1" orient="horz" pos="1620" userDrawn="1">
           <p15:clr>
             <a:srgbClr val="A4A3A4"/>
           </p15:clr>
         </p15:guide>
-        <p15:guide id="2" pos="2880">
+        <p15:guide id="2" pos="2880" userDrawn="1">
           <p15:clr>
             <a:srgbClr val="A4A3A4"/>
           </p15:clr>
@@ -208,7 +208,7 @@
           <a:p>
             <a:fld id="{0F9C1CCF-B725-44A7-AA57-5E433BD85C9F}" type="datetimeFigureOut">
               <a:rPr lang="en-US" smtClean="0"/>
-              <a:t>4/5/2019</a:t>
+              <a:t>1/2/22</a:t>
             </a:fld>
             <a:endParaRPr lang="en-US"/>
           </a:p>
@@ -226,8 +226,8 @@
         </p:nvSpPr>
         <p:spPr>
           <a:xfrm>
-            <a:off x="1371600" y="1143000"/>
-            <a:ext cx="4114800" cy="3086100"/>
+            <a:off x="685800" y="1143000"/>
+            <a:ext cx="5486400" cy="3086100"/>
           </a:xfrm>
           <a:prstGeom prst="rect">
             <a:avLst/>
@@ -272,38 +272,37 @@
           <a:p>
             <a:pPr lvl="0"/>
             <a:r>
-              <a:rPr lang="en-US" smtClean="0"/>
+              <a:rPr lang="en-US"/>
               <a:t>Click to edit Master text styles</a:t>
             </a:r>
           </a:p>
           <a:p>
             <a:pPr lvl="1"/>
             <a:r>
-              <a:rPr lang="en-US" smtClean="0"/>
+              <a:rPr lang="en-US"/>
               <a:t>Second level</a:t>
             </a:r>
           </a:p>
           <a:p>
             <a:pPr lvl="2"/>
             <a:r>
-              <a:rPr lang="en-US" smtClean="0"/>
+              <a:rPr lang="en-US"/>
               <a:t>Third level</a:t>
             </a:r>
           </a:p>
           <a:p>
             <a:pPr lvl="3"/>
             <a:r>
-              <a:rPr lang="en-US" smtClean="0"/>
+              <a:rPr lang="en-US"/>
               <a:t>Fourth level</a:t>
             </a:r>
           </a:p>
           <a:p>
             <a:pPr lvl="4"/>
             <a:r>
-              <a:rPr lang="en-US" smtClean="0"/>
+              <a:rPr lang="en-US"/>
               <a:t>Fifth level</a:t>
             </a:r>
-            <a:endParaRPr lang="en-US"/>
           </a:p>
         </p:txBody>
       </p:sp>
@@ -587,8 +586,8 @@
         </p:nvSpPr>
         <p:spPr>
           <a:xfrm>
-            <a:off x="685800" y="2130425"/>
-            <a:ext cx="7772400" cy="1470025"/>
+            <a:off x="685800" y="1597819"/>
+            <a:ext cx="7772400" cy="1102519"/>
           </a:xfrm>
         </p:spPr>
         <p:txBody>
@@ -596,10 +595,9 @@
           <a:lstStyle/>
           <a:p>
             <a:r>
-              <a:rPr lang="en-US" smtClean="0"/>
+              <a:rPr lang="en-US"/>
               <a:t>Click to edit Master title style</a:t>
             </a:r>
-            <a:endParaRPr lang="en-US"/>
           </a:p>
         </p:txBody>
       </p:sp>
@@ -615,8 +613,8 @@
         </p:nvSpPr>
         <p:spPr>
           <a:xfrm>
-            <a:off x="1371600" y="3886200"/>
-            <a:ext cx="6400800" cy="1752600"/>
+            <a:off x="1371600" y="2914650"/>
+            <a:ext cx="6400800" cy="1314450"/>
           </a:xfrm>
         </p:spPr>
         <p:txBody>
@@ -632,7 +630,7 @@
                 </a:solidFill>
               </a:defRPr>
             </a:lvl1pPr>
-            <a:lvl2pPr marL="457200" indent="0" algn="ctr">
+            <a:lvl2pPr marL="342900" indent="0" algn="ctr">
               <a:buNone/>
               <a:defRPr>
                 <a:solidFill>
@@ -642,7 +640,7 @@
                 </a:solidFill>
               </a:defRPr>
             </a:lvl2pPr>
-            <a:lvl3pPr marL="914400" indent="0" algn="ctr">
+            <a:lvl3pPr marL="685800" indent="0" algn="ctr">
               <a:buNone/>
               <a:defRPr>
                 <a:solidFill>
@@ -652,7 +650,7 @@
                 </a:solidFill>
               </a:defRPr>
             </a:lvl3pPr>
-            <a:lvl4pPr marL="1371600" indent="0" algn="ctr">
+            <a:lvl4pPr marL="1028700" indent="0" algn="ctr">
               <a:buNone/>
               <a:defRPr>
                 <a:solidFill>
@@ -662,7 +660,7 @@
                 </a:solidFill>
               </a:defRPr>
             </a:lvl4pPr>
-            <a:lvl5pPr marL="1828800" indent="0" algn="ctr">
+            <a:lvl5pPr marL="1371600" indent="0" algn="ctr">
               <a:buNone/>
               <a:defRPr>
                 <a:solidFill>
@@ -672,7 +670,7 @@
                 </a:solidFill>
               </a:defRPr>
             </a:lvl5pPr>
-            <a:lvl6pPr marL="2286000" indent="0" algn="ctr">
+            <a:lvl6pPr marL="1714500" indent="0" algn="ctr">
               <a:buNone/>
               <a:defRPr>
                 <a:solidFill>
@@ -682,7 +680,7 @@
                 </a:solidFill>
               </a:defRPr>
             </a:lvl6pPr>
-            <a:lvl7pPr marL="2743200" indent="0" algn="ctr">
+            <a:lvl7pPr marL="2057400" indent="0" algn="ctr">
               <a:buNone/>
               <a:defRPr>
                 <a:solidFill>
@@ -692,7 +690,7 @@
                 </a:solidFill>
               </a:defRPr>
             </a:lvl7pPr>
-            <a:lvl8pPr marL="3200400" indent="0" algn="ctr">
+            <a:lvl8pPr marL="2400300" indent="0" algn="ctr">
               <a:buNone/>
               <a:defRPr>
                 <a:solidFill>
@@ -702,7 +700,7 @@
                 </a:solidFill>
               </a:defRPr>
             </a:lvl8pPr>
-            <a:lvl9pPr marL="3657600" indent="0" algn="ctr">
+            <a:lvl9pPr marL="2743200" indent="0" algn="ctr">
               <a:buNone/>
               <a:defRPr>
                 <a:solidFill>
@@ -715,10 +713,9 @@
           </a:lstStyle>
           <a:p>
             <a:r>
-              <a:rPr lang="en-US" smtClean="0"/>
+              <a:rPr lang="en-US"/>
               <a:t>Click to edit Master subtitle style</a:t>
             </a:r>
-            <a:endParaRPr lang="en-US"/>
           </a:p>
         </p:txBody>
       </p:sp>
@@ -739,7 +736,7 @@
           <a:p>
             <a:fld id="{241EB5C9-1307-BA42-ABA2-0BC069CD8E7F}" type="datetimeFigureOut">
               <a:rPr lang="en-US" smtClean="0"/>
-              <a:t>4/5/2019</a:t>
+              <a:t>1/2/22</a:t>
             </a:fld>
             <a:endParaRPr lang="en-US"/>
           </a:p>
@@ -833,10 +830,9 @@
           <a:lstStyle/>
           <a:p>
             <a:r>
-              <a:rPr lang="en-US" smtClean="0"/>
+              <a:rPr lang="en-US"/>
               <a:t>Click to edit Master title style</a:t>
             </a:r>
-            <a:endParaRPr lang="en-US"/>
           </a:p>
         </p:txBody>
       </p:sp>
@@ -857,38 +853,37 @@
           <a:p>
             <a:pPr lvl="0"/>
             <a:r>
-              <a:rPr lang="en-US" smtClean="0"/>
+              <a:rPr lang="en-US"/>
               <a:t>Click to edit Master text styles</a:t>
             </a:r>
           </a:p>
           <a:p>
             <a:pPr lvl="1"/>
             <a:r>
-              <a:rPr lang="en-US" smtClean="0"/>
+              <a:rPr lang="en-US"/>
               <a:t>Second level</a:t>
             </a:r>
           </a:p>
           <a:p>
             <a:pPr lvl="2"/>
             <a:r>
-              <a:rPr lang="en-US" smtClean="0"/>
+              <a:rPr lang="en-US"/>
               <a:t>Third level</a:t>
             </a:r>
           </a:p>
           <a:p>
             <a:pPr lvl="3"/>
             <a:r>
-              <a:rPr lang="en-US" smtClean="0"/>
+              <a:rPr lang="en-US"/>
               <a:t>Fourth level</a:t>
             </a:r>
           </a:p>
           <a:p>
             <a:pPr lvl="4"/>
             <a:r>
-              <a:rPr lang="en-US" smtClean="0"/>
+              <a:rPr lang="en-US"/>
               <a:t>Fifth level</a:t>
             </a:r>
-            <a:endParaRPr lang="en-US"/>
           </a:p>
         </p:txBody>
       </p:sp>
@@ -909,7 +904,7 @@
           <a:p>
             <a:fld id="{241EB5C9-1307-BA42-ABA2-0BC069CD8E7F}" type="datetimeFigureOut">
               <a:rPr lang="en-US" smtClean="0"/>
-              <a:t>4/5/2019</a:t>
+              <a:t>1/2/22</a:t>
             </a:fld>
             <a:endParaRPr lang="en-US"/>
           </a:p>
@@ -999,8 +994,8 @@
         </p:nvSpPr>
         <p:spPr>
           <a:xfrm>
-            <a:off x="6629400" y="274638"/>
-            <a:ext cx="2057400" cy="5851525"/>
+            <a:off x="6629400" y="205979"/>
+            <a:ext cx="2057400" cy="4388644"/>
           </a:xfrm>
         </p:spPr>
         <p:txBody>
@@ -1008,10 +1003,9 @@
           <a:lstStyle/>
           <a:p>
             <a:r>
-              <a:rPr lang="en-US" smtClean="0"/>
+              <a:rPr lang="en-US"/>
               <a:t>Click to edit Master title style</a:t>
             </a:r>
-            <a:endParaRPr lang="en-US"/>
           </a:p>
         </p:txBody>
       </p:sp>
@@ -1027,8 +1021,8 @@
         </p:nvSpPr>
         <p:spPr>
           <a:xfrm>
-            <a:off x="457200" y="274638"/>
-            <a:ext cx="6019800" cy="5851525"/>
+            <a:off x="457200" y="205979"/>
+            <a:ext cx="6019800" cy="4388644"/>
           </a:xfrm>
         </p:spPr>
         <p:txBody>
@@ -1037,38 +1031,37 @@
           <a:p>
             <a:pPr lvl="0"/>
             <a:r>
-              <a:rPr lang="en-US" smtClean="0"/>
+              <a:rPr lang="en-US"/>
               <a:t>Click to edit Master text styles</a:t>
             </a:r>
           </a:p>
           <a:p>
             <a:pPr lvl="1"/>
             <a:r>
-              <a:rPr lang="en-US" smtClean="0"/>
+              <a:rPr lang="en-US"/>
               <a:t>Second level</a:t>
             </a:r>
           </a:p>
           <a:p>
             <a:pPr lvl="2"/>
             <a:r>
-              <a:rPr lang="en-US" smtClean="0"/>
+              <a:rPr lang="en-US"/>
               <a:t>Third level</a:t>
             </a:r>
           </a:p>
           <a:p>
             <a:pPr lvl="3"/>
             <a:r>
-              <a:rPr lang="en-US" smtClean="0"/>
+              <a:rPr lang="en-US"/>
               <a:t>Fourth level</a:t>
             </a:r>
           </a:p>
           <a:p>
             <a:pPr lvl="4"/>
             <a:r>
-              <a:rPr lang="en-US" smtClean="0"/>
+              <a:rPr lang="en-US"/>
               <a:t>Fifth level</a:t>
             </a:r>
-            <a:endParaRPr lang="en-US"/>
           </a:p>
         </p:txBody>
       </p:sp>
@@ -1089,7 +1082,7 @@
           <a:p>
             <a:fld id="{241EB5C9-1307-BA42-ABA2-0BC069CD8E7F}" type="datetimeFigureOut">
               <a:rPr lang="en-US" smtClean="0"/>
-              <a:t>4/5/2019</a:t>
+              <a:t>1/2/22</a:t>
             </a:fld>
             <a:endParaRPr lang="en-US"/>
           </a:p>
@@ -1183,10 +1176,9 @@
           <a:lstStyle/>
           <a:p>
             <a:r>
-              <a:rPr lang="en-US" smtClean="0"/>
+              <a:rPr lang="en-US"/>
               <a:t>Click to edit Master title style</a:t>
             </a:r>
-            <a:endParaRPr lang="en-US"/>
           </a:p>
         </p:txBody>
       </p:sp>
@@ -1207,38 +1199,37 @@
           <a:p>
             <a:pPr lvl="0"/>
             <a:r>
-              <a:rPr lang="en-US" smtClean="0"/>
+              <a:rPr lang="en-US"/>
               <a:t>Click to edit Master text styles</a:t>
             </a:r>
           </a:p>
           <a:p>
             <a:pPr lvl="1"/>
             <a:r>
-              <a:rPr lang="en-US" smtClean="0"/>
+              <a:rPr lang="en-US"/>
               <a:t>Second level</a:t>
             </a:r>
           </a:p>
           <a:p>
             <a:pPr lvl="2"/>
             <a:r>
-              <a:rPr lang="en-US" smtClean="0"/>
+              <a:rPr lang="en-US"/>
               <a:t>Third level</a:t>
             </a:r>
           </a:p>
           <a:p>
             <a:pPr lvl="3"/>
             <a:r>
-              <a:rPr lang="en-US" smtClean="0"/>
+              <a:rPr lang="en-US"/>
               <a:t>Fourth level</a:t>
             </a:r>
           </a:p>
           <a:p>
             <a:pPr lvl="4"/>
             <a:r>
-              <a:rPr lang="en-US" smtClean="0"/>
+              <a:rPr lang="en-US"/>
               <a:t>Fifth level</a:t>
             </a:r>
-            <a:endParaRPr lang="en-US"/>
           </a:p>
         </p:txBody>
       </p:sp>
@@ -1259,7 +1250,7 @@
           <a:p>
             <a:fld id="{241EB5C9-1307-BA42-ABA2-0BC069CD8E7F}" type="datetimeFigureOut">
               <a:rPr lang="en-US" smtClean="0"/>
-              <a:t>4/5/2019</a:t>
+              <a:t>1/2/22</a:t>
             </a:fld>
             <a:endParaRPr lang="en-US"/>
           </a:p>
@@ -1349,23 +1340,22 @@
         </p:nvSpPr>
         <p:spPr>
           <a:xfrm>
-            <a:off x="722313" y="4406900"/>
-            <a:ext cx="7772400" cy="1362075"/>
+            <a:off x="722313" y="3305176"/>
+            <a:ext cx="7772400" cy="1021556"/>
           </a:xfrm>
         </p:spPr>
         <p:txBody>
           <a:bodyPr anchor="t"/>
           <a:lstStyle>
             <a:lvl1pPr algn="l">
-              <a:defRPr sz="4000" b="1" cap="all"/>
+              <a:defRPr sz="3000" b="1" cap="all"/>
             </a:lvl1pPr>
           </a:lstStyle>
           <a:p>
             <a:r>
-              <a:rPr lang="en-US" smtClean="0"/>
+              <a:rPr lang="en-US"/>
               <a:t>Click to edit Master title style</a:t>
             </a:r>
-            <a:endParaRPr lang="en-US"/>
           </a:p>
         </p:txBody>
       </p:sp>
@@ -1381,8 +1371,8 @@
         </p:nvSpPr>
         <p:spPr>
           <a:xfrm>
-            <a:off x="722313" y="2906713"/>
-            <a:ext cx="7772400" cy="1500187"/>
+            <a:off x="722313" y="2180035"/>
+            <a:ext cx="7772400" cy="1125140"/>
           </a:xfrm>
         </p:spPr>
         <p:txBody>
@@ -1390,7 +1380,7 @@
           <a:lstStyle>
             <a:lvl1pPr marL="0" indent="0">
               <a:buNone/>
-              <a:defRPr sz="2000">
+              <a:defRPr sz="1500">
                 <a:solidFill>
                   <a:schemeClr val="tx1">
                     <a:tint val="75000"/>
@@ -1398,9 +1388,9 @@
                 </a:solidFill>
               </a:defRPr>
             </a:lvl1pPr>
-            <a:lvl2pPr marL="457200" indent="0">
-              <a:buNone/>
-              <a:defRPr sz="1800">
+            <a:lvl2pPr marL="342900" indent="0">
+              <a:buNone/>
+              <a:defRPr sz="1350">
                 <a:solidFill>
                   <a:schemeClr val="tx1">
                     <a:tint val="75000"/>
@@ -1408,9 +1398,9 @@
                 </a:solidFill>
               </a:defRPr>
             </a:lvl2pPr>
-            <a:lvl3pPr marL="914400" indent="0">
-              <a:buNone/>
-              <a:defRPr sz="1600">
+            <a:lvl3pPr marL="685800" indent="0">
+              <a:buNone/>
+              <a:defRPr sz="1200">
                 <a:solidFill>
                   <a:schemeClr val="tx1">
                     <a:tint val="75000"/>
@@ -1418,9 +1408,9 @@
                 </a:solidFill>
               </a:defRPr>
             </a:lvl3pPr>
-            <a:lvl4pPr marL="1371600" indent="0">
-              <a:buNone/>
-              <a:defRPr sz="1400">
+            <a:lvl4pPr marL="1028700" indent="0">
+              <a:buNone/>
+              <a:defRPr sz="1050">
                 <a:solidFill>
                   <a:schemeClr val="tx1">
                     <a:tint val="75000"/>
@@ -1428,9 +1418,9 @@
                 </a:solidFill>
               </a:defRPr>
             </a:lvl4pPr>
-            <a:lvl5pPr marL="1828800" indent="0">
-              <a:buNone/>
-              <a:defRPr sz="1400">
+            <a:lvl5pPr marL="1371600" indent="0">
+              <a:buNone/>
+              <a:defRPr sz="1050">
                 <a:solidFill>
                   <a:schemeClr val="tx1">
                     <a:tint val="75000"/>
@@ -1438,9 +1428,9 @@
                 </a:solidFill>
               </a:defRPr>
             </a:lvl5pPr>
-            <a:lvl6pPr marL="2286000" indent="0">
-              <a:buNone/>
-              <a:defRPr sz="1400">
+            <a:lvl6pPr marL="1714500" indent="0">
+              <a:buNone/>
+              <a:defRPr sz="1050">
                 <a:solidFill>
                   <a:schemeClr val="tx1">
                     <a:tint val="75000"/>
@@ -1448,9 +1438,9 @@
                 </a:solidFill>
               </a:defRPr>
             </a:lvl6pPr>
-            <a:lvl7pPr marL="2743200" indent="0">
-              <a:buNone/>
-              <a:defRPr sz="1400">
+            <a:lvl7pPr marL="2057400" indent="0">
+              <a:buNone/>
+              <a:defRPr sz="1050">
                 <a:solidFill>
                   <a:schemeClr val="tx1">
                     <a:tint val="75000"/>
@@ -1458,9 +1448,9 @@
                 </a:solidFill>
               </a:defRPr>
             </a:lvl7pPr>
-            <a:lvl8pPr marL="3200400" indent="0">
-              <a:buNone/>
-              <a:defRPr sz="1400">
+            <a:lvl8pPr marL="2400300" indent="0">
+              <a:buNone/>
+              <a:defRPr sz="1050">
                 <a:solidFill>
                   <a:schemeClr val="tx1">
                     <a:tint val="75000"/>
@@ -1468,9 +1458,9 @@
                 </a:solidFill>
               </a:defRPr>
             </a:lvl8pPr>
-            <a:lvl9pPr marL="3657600" indent="0">
-              <a:buNone/>
-              <a:defRPr sz="1400">
+            <a:lvl9pPr marL="2743200" indent="0">
+              <a:buNone/>
+              <a:defRPr sz="1050">
                 <a:solidFill>
                   <a:schemeClr val="tx1">
                     <a:tint val="75000"/>
@@ -1482,7 +1472,7 @@
           <a:p>
             <a:pPr lvl="0"/>
             <a:r>
-              <a:rPr lang="en-US" smtClean="0"/>
+              <a:rPr lang="en-US"/>
               <a:t>Click to edit Master text styles</a:t>
             </a:r>
           </a:p>
@@ -1505,7 +1495,7 @@
           <a:p>
             <a:fld id="{241EB5C9-1307-BA42-ABA2-0BC069CD8E7F}" type="datetimeFigureOut">
               <a:rPr lang="en-US" smtClean="0"/>
-              <a:t>4/5/2019</a:t>
+              <a:t>1/2/22</a:t>
             </a:fld>
             <a:endParaRPr lang="en-US"/>
           </a:p>
@@ -1599,10 +1589,9 @@
           <a:lstStyle/>
           <a:p>
             <a:r>
-              <a:rPr lang="en-US" smtClean="0"/>
+              <a:rPr lang="en-US"/>
               <a:t>Click to edit Master title style</a:t>
             </a:r>
-            <a:endParaRPr lang="en-US"/>
           </a:p>
         </p:txBody>
       </p:sp>
@@ -1618,76 +1607,75 @@
         </p:nvSpPr>
         <p:spPr>
           <a:xfrm>
-            <a:off x="457200" y="1600200"/>
-            <a:ext cx="4038600" cy="4525963"/>
+            <a:off x="457200" y="1200151"/>
+            <a:ext cx="4038600" cy="3394472"/>
           </a:xfrm>
         </p:spPr>
         <p:txBody>
           <a:bodyPr/>
           <a:lstStyle>
             <a:lvl1pPr>
-              <a:defRPr sz="2800"/>
+              <a:defRPr sz="2100"/>
             </a:lvl1pPr>
             <a:lvl2pPr>
-              <a:defRPr sz="2400"/>
+              <a:defRPr sz="1800"/>
             </a:lvl2pPr>
             <a:lvl3pPr>
-              <a:defRPr sz="2000"/>
+              <a:defRPr sz="1500"/>
             </a:lvl3pPr>
             <a:lvl4pPr>
-              <a:defRPr sz="1800"/>
+              <a:defRPr sz="1350"/>
             </a:lvl4pPr>
             <a:lvl5pPr>
-              <a:defRPr sz="1800"/>
+              <a:defRPr sz="1350"/>
             </a:lvl5pPr>
             <a:lvl6pPr>
-              <a:defRPr sz="1800"/>
+              <a:defRPr sz="1350"/>
             </a:lvl6pPr>
             <a:lvl7pPr>
-              <a:defRPr sz="1800"/>
+              <a:defRPr sz="1350"/>
             </a:lvl7pPr>
             <a:lvl8pPr>
-              <a:defRPr sz="1800"/>
+              <a:defRPr sz="1350"/>
             </a:lvl8pPr>
             <a:lvl9pPr>
-              <a:defRPr sz="1800"/>
+              <a:defRPr sz="1350"/>
             </a:lvl9pPr>
           </a:lstStyle>
           <a:p>
             <a:pPr lvl="0"/>
             <a:r>
-              <a:rPr lang="en-US" smtClean="0"/>
+              <a:rPr lang="en-US"/>
               <a:t>Click to edit Master text styles</a:t>
             </a:r>
           </a:p>
           <a:p>
             <a:pPr lvl="1"/>
             <a:r>
-              <a:rPr lang="en-US" smtClean="0"/>
+              <a:rPr lang="en-US"/>
               <a:t>Second level</a:t>
             </a:r>
           </a:p>
           <a:p>
             <a:pPr lvl="2"/>
             <a:r>
-              <a:rPr lang="en-US" smtClean="0"/>
+              <a:rPr lang="en-US"/>
               <a:t>Third level</a:t>
             </a:r>
           </a:p>
           <a:p>
             <a:pPr lvl="3"/>
             <a:r>
-              <a:rPr lang="en-US" smtClean="0"/>
+              <a:rPr lang="en-US"/>
               <a:t>Fourth level</a:t>
             </a:r>
           </a:p>
           <a:p>
             <a:pPr lvl="4"/>
             <a:r>
-              <a:rPr lang="en-US" smtClean="0"/>
+              <a:rPr lang="en-US"/>
               <a:t>Fifth level</a:t>
             </a:r>
-            <a:endParaRPr lang="en-US"/>
           </a:p>
         </p:txBody>
       </p:sp>
@@ -1703,76 +1691,75 @@
         </p:nvSpPr>
         <p:spPr>
           <a:xfrm>
-            <a:off x="4648200" y="1600200"/>
-            <a:ext cx="4038600" cy="4525963"/>
+            <a:off x="4648200" y="1200151"/>
+            <a:ext cx="4038600" cy="3394472"/>
           </a:xfrm>
         </p:spPr>
         <p:txBody>
           <a:bodyPr/>
           <a:lstStyle>
             <a:lvl1pPr>
-              <a:defRPr sz="2800"/>
+              <a:defRPr sz="2100"/>
             </a:lvl1pPr>
             <a:lvl2pPr>
-              <a:defRPr sz="2400"/>
+              <a:defRPr sz="1800"/>
             </a:lvl2pPr>
             <a:lvl3pPr>
-              <a:defRPr sz="2000"/>
+              <a:defRPr sz="1500"/>
             </a:lvl3pPr>
             <a:lvl4pPr>
-              <a:defRPr sz="1800"/>
+              <a:defRPr sz="1350"/>
             </a:lvl4pPr>
             <a:lvl5pPr>
-              <a:defRPr sz="1800"/>
+              <a:defRPr sz="1350"/>
             </a:lvl5pPr>
             <a:lvl6pPr>
-              <a:defRPr sz="1800"/>
+              <a:defRPr sz="1350"/>
             </a:lvl6pPr>
             <a:lvl7pPr>
-              <a:defRPr sz="1800"/>
+              <a:defRPr sz="1350"/>
             </a:lvl7pPr>
             <a:lvl8pPr>
-              <a:defRPr sz="1800"/>
+              <a:defRPr sz="1350"/>
             </a:lvl8pPr>
             <a:lvl9pPr>
-              <a:defRPr sz="1800"/>
+              <a:defRPr sz="1350"/>
             </a:lvl9pPr>
           </a:lstStyle>
           <a:p>
             <a:pPr lvl="0"/>
             <a:r>
-              <a:rPr lang="en-US" smtClean="0"/>
+              <a:rPr lang="en-US"/>
               <a:t>Click to edit Master text styles</a:t>
             </a:r>
           </a:p>
           <a:p>
             <a:pPr lvl="1"/>
             <a:r>
-              <a:rPr lang="en-US" smtClean="0"/>
+              <a:rPr lang="en-US"/>
               <a:t>Second level</a:t>
             </a:r>
           </a:p>
           <a:p>
             <a:pPr lvl="2"/>
             <a:r>
-              <a:rPr lang="en-US" smtClean="0"/>
+              <a:rPr lang="en-US"/>
               <a:t>Third level</a:t>
             </a:r>
           </a:p>
           <a:p>
             <a:pPr lvl="3"/>
             <a:r>
-              <a:rPr lang="en-US" smtClean="0"/>
+              <a:rPr lang="en-US"/>
               <a:t>Fourth level</a:t>
             </a:r>
           </a:p>
           <a:p>
             <a:pPr lvl="4"/>
             <a:r>
-              <a:rPr lang="en-US" smtClean="0"/>
+              <a:rPr lang="en-US"/>
               <a:t>Fifth level</a:t>
             </a:r>
-            <a:endParaRPr lang="en-US"/>
           </a:p>
         </p:txBody>
       </p:sp>
@@ -1793,7 +1780,7 @@
           <a:p>
             <a:fld id="{241EB5C9-1307-BA42-ABA2-0BC069CD8E7F}" type="datetimeFigureOut">
               <a:rPr lang="en-US" smtClean="0"/>
-              <a:t>4/5/2019</a:t>
+              <a:t>1/2/22</a:t>
             </a:fld>
             <a:endParaRPr lang="en-US"/>
           </a:p>
@@ -1891,10 +1878,9 @@
           </a:lstStyle>
           <a:p>
             <a:r>
-              <a:rPr lang="en-US" smtClean="0"/>
+              <a:rPr lang="en-US"/>
               <a:t>Click to edit Master title style</a:t>
             </a:r>
-            <a:endParaRPr lang="en-US"/>
           </a:p>
         </p:txBody>
       </p:sp>
@@ -1910,8 +1896,8 @@
         </p:nvSpPr>
         <p:spPr>
           <a:xfrm>
-            <a:off x="457200" y="1535113"/>
-            <a:ext cx="4040188" cy="639762"/>
+            <a:off x="457200" y="1151335"/>
+            <a:ext cx="4040188" cy="479822"/>
           </a:xfrm>
         </p:spPr>
         <p:txBody>
@@ -1919,45 +1905,45 @@
           <a:lstStyle>
             <a:lvl1pPr marL="0" indent="0">
               <a:buNone/>
-              <a:defRPr sz="2400" b="1"/>
+              <a:defRPr sz="1800" b="1"/>
             </a:lvl1pPr>
-            <a:lvl2pPr marL="457200" indent="0">
-              <a:buNone/>
-              <a:defRPr sz="2000" b="1"/>
+            <a:lvl2pPr marL="342900" indent="0">
+              <a:buNone/>
+              <a:defRPr sz="1500" b="1"/>
             </a:lvl2pPr>
-            <a:lvl3pPr marL="914400" indent="0">
-              <a:buNone/>
-              <a:defRPr sz="1800" b="1"/>
+            <a:lvl3pPr marL="685800" indent="0">
+              <a:buNone/>
+              <a:defRPr sz="1350" b="1"/>
             </a:lvl3pPr>
-            <a:lvl4pPr marL="1371600" indent="0">
-              <a:buNone/>
-              <a:defRPr sz="1600" b="1"/>
+            <a:lvl4pPr marL="1028700" indent="0">
+              <a:buNone/>
+              <a:defRPr sz="1200" b="1"/>
             </a:lvl4pPr>
-            <a:lvl5pPr marL="1828800" indent="0">
-              <a:buNone/>
-              <a:defRPr sz="1600" b="1"/>
+            <a:lvl5pPr marL="1371600" indent="0">
+              <a:buNone/>
+              <a:defRPr sz="1200" b="1"/>
             </a:lvl5pPr>
-            <a:lvl6pPr marL="2286000" indent="0">
-              <a:buNone/>
-              <a:defRPr sz="1600" b="1"/>
+            <a:lvl6pPr marL="1714500" indent="0">
+              <a:buNone/>
+              <a:defRPr sz="1200" b="1"/>
             </a:lvl6pPr>
-            <a:lvl7pPr marL="2743200" indent="0">
-              <a:buNone/>
-              <a:defRPr sz="1600" b="1"/>
+            <a:lvl7pPr marL="2057400" indent="0">
+              <a:buNone/>
+              <a:defRPr sz="1200" b="1"/>
             </a:lvl7pPr>
-            <a:lvl8pPr marL="3200400" indent="0">
-              <a:buNone/>
-              <a:defRPr sz="1600" b="1"/>
+            <a:lvl8pPr marL="2400300" indent="0">
+              <a:buNone/>
+              <a:defRPr sz="1200" b="1"/>
             </a:lvl8pPr>
-            <a:lvl9pPr marL="3657600" indent="0">
-              <a:buNone/>
-              <a:defRPr sz="1600" b="1"/>
+            <a:lvl9pPr marL="2743200" indent="0">
+              <a:buNone/>
+              <a:defRPr sz="1200" b="1"/>
             </a:lvl9pPr>
           </a:lstStyle>
           <a:p>
             <a:pPr lvl="0"/>
             <a:r>
-              <a:rPr lang="en-US" smtClean="0"/>
+              <a:rPr lang="en-US"/>
               <a:t>Click to edit Master text styles</a:t>
             </a:r>
           </a:p>
@@ -1975,76 +1961,75 @@
         </p:nvSpPr>
         <p:spPr>
           <a:xfrm>
-            <a:off x="457200" y="2174875"/>
-            <a:ext cx="4040188" cy="3951288"/>
+            <a:off x="457200" y="1631156"/>
+            <a:ext cx="4040188" cy="2963466"/>
           </a:xfrm>
         </p:spPr>
         <p:txBody>
           <a:bodyPr/>
           <a:lstStyle>
             <a:lvl1pPr>
-              <a:defRPr sz="2400"/>
+              <a:defRPr sz="1800"/>
             </a:lvl1pPr>
             <a:lvl2pPr>
-              <a:defRPr sz="2000"/>
+              <a:defRPr sz="1500"/>
             </a:lvl2pPr>
             <a:lvl3pPr>
-              <a:defRPr sz="1800"/>
+              <a:defRPr sz="1350"/>
             </a:lvl3pPr>
             <a:lvl4pPr>
-              <a:defRPr sz="1600"/>
+              <a:defRPr sz="1200"/>
             </a:lvl4pPr>
             <a:lvl5pPr>
-              <a:defRPr sz="1600"/>
+              <a:defRPr sz="1200"/>
             </a:lvl5pPr>
             <a:lvl6pPr>
-              <a:defRPr sz="1600"/>
+              <a:defRPr sz="1200"/>
             </a:lvl6pPr>
             <a:lvl7pPr>
-              <a:defRPr sz="1600"/>
+              <a:defRPr sz="1200"/>
             </a:lvl7pPr>
             <a:lvl8pPr>
-              <a:defRPr sz="1600"/>
+              <a:defRPr sz="1200"/>
             </a:lvl8pPr>
             <a:lvl9pPr>
-              <a:defRPr sz="1600"/>
+              <a:defRPr sz="1200"/>
             </a:lvl9pPr>
           </a:lstStyle>
           <a:p>
             <a:pPr lvl="0"/>
             <a:r>
-              <a:rPr lang="en-US" smtClean="0"/>
+              <a:rPr lang="en-US"/>
               <a:t>Click to edit Master text styles</a:t>
             </a:r>
           </a:p>
           <a:p>
             <a:pPr lvl="1"/>
             <a:r>
-              <a:rPr lang="en-US" smtClean="0"/>
+              <a:rPr lang="en-US"/>
               <a:t>Second level</a:t>
             </a:r>
           </a:p>
           <a:p>
             <a:pPr lvl="2"/>
             <a:r>
-              <a:rPr lang="en-US" smtClean="0"/>
+              <a:rPr lang="en-US"/>
               <a:t>Third level</a:t>
             </a:r>
           </a:p>
           <a:p>
             <a:pPr lvl="3"/>
             <a:r>
-              <a:rPr lang="en-US" smtClean="0"/>
+              <a:rPr lang="en-US"/>
               <a:t>Fourth level</a:t>
             </a:r>
           </a:p>
           <a:p>
             <a:pPr lvl="4"/>
             <a:r>
-              <a:rPr lang="en-US" smtClean="0"/>
+              <a:rPr lang="en-US"/>
               <a:t>Fifth level</a:t>
             </a:r>
-            <a:endParaRPr lang="en-US"/>
           </a:p>
         </p:txBody>
       </p:sp>
@@ -2060,8 +2045,8 @@
         </p:nvSpPr>
         <p:spPr>
           <a:xfrm>
-            <a:off x="4645025" y="1535113"/>
-            <a:ext cx="4041775" cy="639762"/>
+            <a:off x="4645026" y="1151335"/>
+            <a:ext cx="4041775" cy="479822"/>
           </a:xfrm>
         </p:spPr>
         <p:txBody>
@@ -2069,45 +2054,45 @@
           <a:lstStyle>
             <a:lvl1pPr marL="0" indent="0">
               <a:buNone/>
-              <a:defRPr sz="2400" b="1"/>
+              <a:defRPr sz="1800" b="1"/>
             </a:lvl1pPr>
-            <a:lvl2pPr marL="457200" indent="0">
-              <a:buNone/>
-              <a:defRPr sz="2000" b="1"/>
+            <a:lvl2pPr marL="342900" indent="0">
+              <a:buNone/>
+              <a:defRPr sz="1500" b="1"/>
             </a:lvl2pPr>
-            <a:lvl3pPr marL="914400" indent="0">
-              <a:buNone/>
-              <a:defRPr sz="1800" b="1"/>
+            <a:lvl3pPr marL="685800" indent="0">
+              <a:buNone/>
+              <a:defRPr sz="1350" b="1"/>
             </a:lvl3pPr>
-            <a:lvl4pPr marL="1371600" indent="0">
-              <a:buNone/>
-              <a:defRPr sz="1600" b="1"/>
+            <a:lvl4pPr marL="1028700" indent="0">
+              <a:buNone/>
+              <a:defRPr sz="1200" b="1"/>
             </a:lvl4pPr>
-            <a:lvl5pPr marL="1828800" indent="0">
-              <a:buNone/>
-              <a:defRPr sz="1600" b="1"/>
+            <a:lvl5pPr marL="1371600" indent="0">
+              <a:buNone/>
+              <a:defRPr sz="1200" b="1"/>
             </a:lvl5pPr>
-            <a:lvl6pPr marL="2286000" indent="0">
-              <a:buNone/>
-              <a:defRPr sz="1600" b="1"/>
+            <a:lvl6pPr marL="1714500" indent="0">
+              <a:buNone/>
+              <a:defRPr sz="1200" b="1"/>
             </a:lvl6pPr>
-            <a:lvl7pPr marL="2743200" indent="0">
-              <a:buNone/>
-              <a:defRPr sz="1600" b="1"/>
+            <a:lvl7pPr marL="2057400" indent="0">
+              <a:buNone/>
+              <a:defRPr sz="1200" b="1"/>
             </a:lvl7pPr>
-            <a:lvl8pPr marL="3200400" indent="0">
-              <a:buNone/>
-              <a:defRPr sz="1600" b="1"/>
+            <a:lvl8pPr marL="2400300" indent="0">
+              <a:buNone/>
+              <a:defRPr sz="1200" b="1"/>
             </a:lvl8pPr>
-            <a:lvl9pPr marL="3657600" indent="0">
-              <a:buNone/>
-              <a:defRPr sz="1600" b="1"/>
+            <a:lvl9pPr marL="2743200" indent="0">
+              <a:buNone/>
+              <a:defRPr sz="1200" b="1"/>
             </a:lvl9pPr>
           </a:lstStyle>
           <a:p>
             <a:pPr lvl="0"/>
             <a:r>
-              <a:rPr lang="en-US" smtClean="0"/>
+              <a:rPr lang="en-US"/>
               <a:t>Click to edit Master text styles</a:t>
             </a:r>
           </a:p>
@@ -2125,76 +2110,75 @@
         </p:nvSpPr>
         <p:spPr>
           <a:xfrm>
-            <a:off x="4645025" y="2174875"/>
-            <a:ext cx="4041775" cy="3951288"/>
+            <a:off x="4645026" y="1631156"/>
+            <a:ext cx="4041775" cy="2963466"/>
           </a:xfrm>
         </p:spPr>
         <p:txBody>
           <a:bodyPr/>
           <a:lstStyle>
             <a:lvl1pPr>
-              <a:defRPr sz="2400"/>
+              <a:defRPr sz="1800"/>
             </a:lvl1pPr>
             <a:lvl2pPr>
-              <a:defRPr sz="2000"/>
+              <a:defRPr sz="1500"/>
             </a:lvl2pPr>
             <a:lvl3pPr>
-              <a:defRPr sz="1800"/>
+              <a:defRPr sz="1350"/>
             </a:lvl3pPr>
             <a:lvl4pPr>
-              <a:defRPr sz="1600"/>
+              <a:defRPr sz="1200"/>
             </a:lvl4pPr>
             <a:lvl5pPr>
-              <a:defRPr sz="1600"/>
+              <a:defRPr sz="1200"/>
             </a:lvl5pPr>
             <a:lvl6pPr>
-              <a:defRPr sz="1600"/>
+              <a:defRPr sz="1200"/>
             </a:lvl6pPr>
             <a:lvl7pPr>
-              <a:defRPr sz="1600"/>
+              <a:defRPr sz="1200"/>
             </a:lvl7pPr>
             <a:lvl8pPr>
-              <a:defRPr sz="1600"/>
+              <a:defRPr sz="1200"/>
             </a:lvl8pPr>
             <a:lvl9pPr>
-              <a:defRPr sz="1600"/>
+              <a:defRPr sz="1200"/>
             </a:lvl9pPr>
           </a:lstStyle>
           <a:p>
             <a:pPr lvl="0"/>
             <a:r>
-              <a:rPr lang="en-US" smtClean="0"/>
+              <a:rPr lang="en-US"/>
               <a:t>Click to edit Master text styles</a:t>
             </a:r>
           </a:p>
           <a:p>
             <a:pPr lvl="1"/>
             <a:r>
-              <a:rPr lang="en-US" smtClean="0"/>
+              <a:rPr lang="en-US"/>
               <a:t>Second level</a:t>
             </a:r>
           </a:p>
           <a:p>
             <a:pPr lvl="2"/>
             <a:r>
-              <a:rPr lang="en-US" smtClean="0"/>
+              <a:rPr lang="en-US"/>
               <a:t>Third level</a:t>
             </a:r>
           </a:p>
           <a:p>
             <a:pPr lvl="3"/>
             <a:r>
-              <a:rPr lang="en-US" smtClean="0"/>
+              <a:rPr lang="en-US"/>
               <a:t>Fourth level</a:t>
             </a:r>
           </a:p>
           <a:p>
             <a:pPr lvl="4"/>
             <a:r>
-              <a:rPr lang="en-US" smtClean="0"/>
+              <a:rPr lang="en-US"/>
               <a:t>Fifth level</a:t>
             </a:r>
-            <a:endParaRPr lang="en-US"/>
           </a:p>
         </p:txBody>
       </p:sp>
@@ -2215,7 +2199,7 @@
           <a:p>
             <a:fld id="{241EB5C9-1307-BA42-ABA2-0BC069CD8E7F}" type="datetimeFigureOut">
               <a:rPr lang="en-US" smtClean="0"/>
-              <a:t>4/5/2019</a:t>
+              <a:t>1/2/22</a:t>
             </a:fld>
             <a:endParaRPr lang="en-US"/>
           </a:p>
@@ -2309,10 +2293,9 @@
           <a:lstStyle/>
           <a:p>
             <a:r>
-              <a:rPr lang="en-US" smtClean="0"/>
+              <a:rPr lang="en-US"/>
               <a:t>Click to edit Master title style</a:t>
             </a:r>
-            <a:endParaRPr lang="en-US"/>
           </a:p>
         </p:txBody>
       </p:sp>
@@ -2333,7 +2316,7 @@
           <a:p>
             <a:fld id="{241EB5C9-1307-BA42-ABA2-0BC069CD8E7F}" type="datetimeFigureOut">
               <a:rPr lang="en-US" smtClean="0"/>
-              <a:t>4/5/2019</a:t>
+              <a:t>1/2/22</a:t>
             </a:fld>
             <a:endParaRPr lang="en-US"/>
           </a:p>
@@ -2428,7 +2411,7 @@
           <a:p>
             <a:fld id="{241EB5C9-1307-BA42-ABA2-0BC069CD8E7F}" type="datetimeFigureOut">
               <a:rPr lang="en-US" smtClean="0"/>
-              <a:t>4/5/2019</a:t>
+              <a:t>1/2/22</a:t>
             </a:fld>
             <a:endParaRPr lang="en-US"/>
           </a:p>
@@ -2518,23 +2501,22 @@
         </p:nvSpPr>
         <p:spPr>
           <a:xfrm>
-            <a:off x="457200" y="273050"/>
-            <a:ext cx="3008313" cy="1162050"/>
+            <a:off x="457201" y="204787"/>
+            <a:ext cx="3008313" cy="871538"/>
           </a:xfrm>
         </p:spPr>
         <p:txBody>
           <a:bodyPr anchor="b"/>
           <a:lstStyle>
             <a:lvl1pPr algn="l">
-              <a:defRPr sz="2000" b="1"/>
+              <a:defRPr sz="1500" b="1"/>
             </a:lvl1pPr>
           </a:lstStyle>
           <a:p>
             <a:r>
-              <a:rPr lang="en-US" smtClean="0"/>
+              <a:rPr lang="en-US"/>
               <a:t>Click to edit Master title style</a:t>
             </a:r>
-            <a:endParaRPr lang="en-US"/>
           </a:p>
         </p:txBody>
       </p:sp>
@@ -2550,76 +2532,75 @@
         </p:nvSpPr>
         <p:spPr>
           <a:xfrm>
-            <a:off x="3575050" y="273050"/>
-            <a:ext cx="5111750" cy="5853113"/>
+            <a:off x="3575050" y="204788"/>
+            <a:ext cx="5111750" cy="4389835"/>
           </a:xfrm>
         </p:spPr>
         <p:txBody>
           <a:bodyPr/>
           <a:lstStyle>
             <a:lvl1pPr>
-              <a:defRPr sz="3200"/>
+              <a:defRPr sz="2400"/>
             </a:lvl1pPr>
             <a:lvl2pPr>
-              <a:defRPr sz="2800"/>
+              <a:defRPr sz="2100"/>
             </a:lvl2pPr>
             <a:lvl3pPr>
-              <a:defRPr sz="2400"/>
+              <a:defRPr sz="1800"/>
             </a:lvl3pPr>
             <a:lvl4pPr>
-              <a:defRPr sz="2000"/>
+              <a:defRPr sz="1500"/>
             </a:lvl4pPr>
             <a:lvl5pPr>
-              <a:defRPr sz="2000"/>
+              <a:defRPr sz="1500"/>
             </a:lvl5pPr>
             <a:lvl6pPr>
-              <a:defRPr sz="2000"/>
+              <a:defRPr sz="1500"/>
             </a:lvl6pPr>
             <a:lvl7pPr>
-              <a:defRPr sz="2000"/>
+              <a:defRPr sz="1500"/>
             </a:lvl7pPr>
             <a:lvl8pPr>
-              <a:defRPr sz="2000"/>
+              <a:defRPr sz="1500"/>
             </a:lvl8pPr>
             <a:lvl9pPr>
-              <a:defRPr sz="2000"/>
+              <a:defRPr sz="1500"/>
             </a:lvl9pPr>
           </a:lstStyle>
           <a:p>
             <a:pPr lvl="0"/>
             <a:r>
-              <a:rPr lang="en-US" smtClean="0"/>
+              <a:rPr lang="en-US"/>
               <a:t>Click to edit Master text styles</a:t>
             </a:r>
           </a:p>
           <a:p>
             <a:pPr lvl="1"/>
             <a:r>
-              <a:rPr lang="en-US" smtClean="0"/>
+              <a:rPr lang="en-US"/>
               <a:t>Second level</a:t>
             </a:r>
           </a:p>
           <a:p>
             <a:pPr lvl="2"/>
             <a:r>
-              <a:rPr lang="en-US" smtClean="0"/>
+              <a:rPr lang="en-US"/>
               <a:t>Third level</a:t>
             </a:r>
           </a:p>
           <a:p>
             <a:pPr lvl="3"/>
             <a:r>
-              <a:rPr lang="en-US" smtClean="0"/>
+              <a:rPr lang="en-US"/>
               <a:t>Fourth level</a:t>
             </a:r>
           </a:p>
           <a:p>
             <a:pPr lvl="4"/>
             <a:r>
-              <a:rPr lang="en-US" smtClean="0"/>
+              <a:rPr lang="en-US"/>
               <a:t>Fifth level</a:t>
             </a:r>
-            <a:endParaRPr lang="en-US"/>
           </a:p>
         </p:txBody>
       </p:sp>
@@ -2635,8 +2616,8 @@
         </p:nvSpPr>
         <p:spPr>
           <a:xfrm>
-            <a:off x="457200" y="1435100"/>
-            <a:ext cx="3008313" cy="4691063"/>
+            <a:off x="457201" y="1076326"/>
+            <a:ext cx="3008313" cy="3518297"/>
           </a:xfrm>
         </p:spPr>
         <p:txBody>
@@ -2644,45 +2625,45 @@
           <a:lstStyle>
             <a:lvl1pPr marL="0" indent="0">
               <a:buNone/>
-              <a:defRPr sz="1400"/>
+              <a:defRPr sz="1050"/>
             </a:lvl1pPr>
-            <a:lvl2pPr marL="457200" indent="0">
-              <a:buNone/>
-              <a:defRPr sz="1200"/>
+            <a:lvl2pPr marL="342900" indent="0">
+              <a:buNone/>
+              <a:defRPr sz="900"/>
             </a:lvl2pPr>
-            <a:lvl3pPr marL="914400" indent="0">
-              <a:buNone/>
-              <a:defRPr sz="1000"/>
+            <a:lvl3pPr marL="685800" indent="0">
+              <a:buNone/>
+              <a:defRPr sz="750"/>
             </a:lvl3pPr>
-            <a:lvl4pPr marL="1371600" indent="0">
-              <a:buNone/>
-              <a:defRPr sz="900"/>
+            <a:lvl4pPr marL="1028700" indent="0">
+              <a:buNone/>
+              <a:defRPr sz="675"/>
             </a:lvl4pPr>
-            <a:lvl5pPr marL="1828800" indent="0">
-              <a:buNone/>
-              <a:defRPr sz="900"/>
+            <a:lvl5pPr marL="1371600" indent="0">
+              <a:buNone/>
+              <a:defRPr sz="675"/>
             </a:lvl5pPr>
-            <a:lvl6pPr marL="2286000" indent="0">
-              <a:buNone/>
-              <a:defRPr sz="900"/>
+            <a:lvl6pPr marL="1714500" indent="0">
+              <a:buNone/>
+              <a:defRPr sz="675"/>
             </a:lvl6pPr>
-            <a:lvl7pPr marL="2743200" indent="0">
-              <a:buNone/>
-              <a:defRPr sz="900"/>
+            <a:lvl7pPr marL="2057400" indent="0">
+              <a:buNone/>
+              <a:defRPr sz="675"/>
             </a:lvl7pPr>
-            <a:lvl8pPr marL="3200400" indent="0">
-              <a:buNone/>
-              <a:defRPr sz="900"/>
+            <a:lvl8pPr marL="2400300" indent="0">
+              <a:buNone/>
+              <a:defRPr sz="675"/>
             </a:lvl8pPr>
-            <a:lvl9pPr marL="3657600" indent="0">
-              <a:buNone/>
-              <a:defRPr sz="900"/>
+            <a:lvl9pPr marL="2743200" indent="0">
+              <a:buNone/>
+              <a:defRPr sz="675"/>
             </a:lvl9pPr>
           </a:lstStyle>
           <a:p>
             <a:pPr lvl="0"/>
             <a:r>
-              <a:rPr lang="en-US" smtClean="0"/>
+              <a:rPr lang="en-US"/>
               <a:t>Click to edit Master text styles</a:t>
             </a:r>
           </a:p>
@@ -2705,7 +2686,7 @@
           <a:p>
             <a:fld id="{241EB5C9-1307-BA42-ABA2-0BC069CD8E7F}" type="datetimeFigureOut">
               <a:rPr lang="en-US" smtClean="0"/>
-              <a:t>4/5/2019</a:t>
+              <a:t>1/2/22</a:t>
             </a:fld>
             <a:endParaRPr lang="en-US"/>
           </a:p>
@@ -2795,23 +2776,22 @@
         </p:nvSpPr>
         <p:spPr>
           <a:xfrm>
-            <a:off x="1792288" y="4800600"/>
-            <a:ext cx="5486400" cy="566738"/>
+            <a:off x="1792288" y="3600450"/>
+            <a:ext cx="5486400" cy="425054"/>
           </a:xfrm>
         </p:spPr>
         <p:txBody>
           <a:bodyPr anchor="b"/>
           <a:lstStyle>
             <a:lvl1pPr algn="l">
-              <a:defRPr sz="2000" b="1"/>
+              <a:defRPr sz="1500" b="1"/>
             </a:lvl1pPr>
           </a:lstStyle>
           <a:p>
             <a:r>
-              <a:rPr lang="en-US" smtClean="0"/>
+              <a:rPr lang="en-US"/>
               <a:t>Click to edit Master title style</a:t>
             </a:r>
-            <a:endParaRPr lang="en-US"/>
           </a:p>
         </p:txBody>
       </p:sp>
@@ -2827,8 +2807,8 @@
         </p:nvSpPr>
         <p:spPr>
           <a:xfrm>
-            <a:off x="1792288" y="612775"/>
-            <a:ext cx="5486400" cy="4114800"/>
+            <a:off x="1792288" y="459581"/>
+            <a:ext cx="5486400" cy="3086100"/>
           </a:xfrm>
         </p:spPr>
         <p:txBody>
@@ -2836,39 +2816,39 @@
           <a:lstStyle>
             <a:lvl1pPr marL="0" indent="0">
               <a:buNone/>
-              <a:defRPr sz="3200"/>
+              <a:defRPr sz="2400"/>
             </a:lvl1pPr>
-            <a:lvl2pPr marL="457200" indent="0">
-              <a:buNone/>
-              <a:defRPr sz="2800"/>
+            <a:lvl2pPr marL="342900" indent="0">
+              <a:buNone/>
+              <a:defRPr sz="2100"/>
             </a:lvl2pPr>
-            <a:lvl3pPr marL="914400" indent="0">
-              <a:buNone/>
-              <a:defRPr sz="2400"/>
+            <a:lvl3pPr marL="685800" indent="0">
+              <a:buNone/>
+              <a:defRPr sz="1800"/>
             </a:lvl3pPr>
-            <a:lvl4pPr marL="1371600" indent="0">
-              <a:buNone/>
-              <a:defRPr sz="2000"/>
+            <a:lvl4pPr marL="1028700" indent="0">
+              <a:buNone/>
+              <a:defRPr sz="1500"/>
             </a:lvl4pPr>
-            <a:lvl5pPr marL="1828800" indent="0">
-              <a:buNone/>
-              <a:defRPr sz="2000"/>
+            <a:lvl5pPr marL="1371600" indent="0">
+              <a:buNone/>
+              <a:defRPr sz="1500"/>
             </a:lvl5pPr>
-            <a:lvl6pPr marL="2286000" indent="0">
-              <a:buNone/>
-              <a:defRPr sz="2000"/>
+            <a:lvl6pPr marL="1714500" indent="0">
+              <a:buNone/>
+              <a:defRPr sz="1500"/>
             </a:lvl6pPr>
-            <a:lvl7pPr marL="2743200" indent="0">
-              <a:buNone/>
-              <a:defRPr sz="2000"/>
+            <a:lvl7pPr marL="2057400" indent="0">
+              <a:buNone/>
+              <a:defRPr sz="1500"/>
             </a:lvl7pPr>
-            <a:lvl8pPr marL="3200400" indent="0">
-              <a:buNone/>
-              <a:defRPr sz="2000"/>
+            <a:lvl8pPr marL="2400300" indent="0">
+              <a:buNone/>
+              <a:defRPr sz="1500"/>
             </a:lvl8pPr>
-            <a:lvl9pPr marL="3657600" indent="0">
-              <a:buNone/>
-              <a:defRPr sz="2000"/>
+            <a:lvl9pPr marL="2743200" indent="0">
+              <a:buNone/>
+              <a:defRPr sz="1500"/>
             </a:lvl9pPr>
           </a:lstStyle>
           <a:p>
@@ -2888,8 +2868,8 @@
         </p:nvSpPr>
         <p:spPr>
           <a:xfrm>
-            <a:off x="1792288" y="5367338"/>
-            <a:ext cx="5486400" cy="804862"/>
+            <a:off x="1792288" y="4025503"/>
+            <a:ext cx="5486400" cy="603647"/>
           </a:xfrm>
         </p:spPr>
         <p:txBody>
@@ -2897,45 +2877,45 @@
           <a:lstStyle>
             <a:lvl1pPr marL="0" indent="0">
               <a:buNone/>
-              <a:defRPr sz="1400"/>
+              <a:defRPr sz="1050"/>
             </a:lvl1pPr>
-            <a:lvl2pPr marL="457200" indent="0">
-              <a:buNone/>
-              <a:defRPr sz="1200"/>
+            <a:lvl2pPr marL="342900" indent="0">
+              <a:buNone/>
+              <a:defRPr sz="900"/>
             </a:lvl2pPr>
-            <a:lvl3pPr marL="914400" indent="0">
-              <a:buNone/>
-              <a:defRPr sz="1000"/>
+            <a:lvl3pPr marL="685800" indent="0">
+              <a:buNone/>
+              <a:defRPr sz="750"/>
             </a:lvl3pPr>
-            <a:lvl4pPr marL="1371600" indent="0">
-              <a:buNone/>
-              <a:defRPr sz="900"/>
+            <a:lvl4pPr marL="1028700" indent="0">
+              <a:buNone/>
+              <a:defRPr sz="675"/>
             </a:lvl4pPr>
-            <a:lvl5pPr marL="1828800" indent="0">
-              <a:buNone/>
-              <a:defRPr sz="900"/>
+            <a:lvl5pPr marL="1371600" indent="0">
+              <a:buNone/>
+              <a:defRPr sz="675"/>
             </a:lvl5pPr>
-            <a:lvl6pPr marL="2286000" indent="0">
-              <a:buNone/>
-              <a:defRPr sz="900"/>
+            <a:lvl6pPr marL="1714500" indent="0">
+              <a:buNone/>
+              <a:defRPr sz="675"/>
             </a:lvl6pPr>
-            <a:lvl7pPr marL="2743200" indent="0">
-              <a:buNone/>
-              <a:defRPr sz="900"/>
+            <a:lvl7pPr marL="2057400" indent="0">
+              <a:buNone/>
+              <a:defRPr sz="675"/>
             </a:lvl7pPr>
-            <a:lvl8pPr marL="3200400" indent="0">
-              <a:buNone/>
-              <a:defRPr sz="900"/>
+            <a:lvl8pPr marL="2400300" indent="0">
+              <a:buNone/>
+              <a:defRPr sz="675"/>
             </a:lvl8pPr>
-            <a:lvl9pPr marL="3657600" indent="0">
-              <a:buNone/>
-              <a:defRPr sz="900"/>
+            <a:lvl9pPr marL="2743200" indent="0">
+              <a:buNone/>
+              <a:defRPr sz="675"/>
             </a:lvl9pPr>
           </a:lstStyle>
           <a:p>
             <a:pPr lvl="0"/>
             <a:r>
-              <a:rPr lang="en-US" smtClean="0"/>
+              <a:rPr lang="en-US"/>
               <a:t>Click to edit Master text styles</a:t>
             </a:r>
           </a:p>
@@ -2958,7 +2938,7 @@
           <a:p>
             <a:fld id="{241EB5C9-1307-BA42-ABA2-0BC069CD8E7F}" type="datetimeFigureOut">
               <a:rPr lang="en-US" smtClean="0"/>
-              <a:t>4/5/2019</a:t>
+              <a:t>1/2/22</a:t>
             </a:fld>
             <a:endParaRPr lang="en-US"/>
           </a:p>
@@ -3053,8 +3033,8 @@
         </p:nvSpPr>
         <p:spPr>
           <a:xfrm>
-            <a:off x="457200" y="274638"/>
-            <a:ext cx="8229600" cy="1143000"/>
+            <a:off x="457200" y="205979"/>
+            <a:ext cx="8229600" cy="857250"/>
           </a:xfrm>
           <a:prstGeom prst="rect">
             <a:avLst/>
@@ -3067,10 +3047,9 @@
           <a:lstStyle/>
           <a:p>
             <a:r>
-              <a:rPr lang="en-US" smtClean="0"/>
+              <a:rPr lang="en-US"/>
               <a:t>Click to edit Master title style</a:t>
             </a:r>
-            <a:endParaRPr lang="en-US"/>
           </a:p>
         </p:txBody>
       </p:sp>
@@ -3086,8 +3065,8 @@
         </p:nvSpPr>
         <p:spPr>
           <a:xfrm>
-            <a:off x="457200" y="1600200"/>
-            <a:ext cx="8229600" cy="4525963"/>
+            <a:off x="457200" y="1200151"/>
+            <a:ext cx="8229600" cy="3394472"/>
           </a:xfrm>
           <a:prstGeom prst="rect">
             <a:avLst/>
@@ -3101,38 +3080,37 @@
           <a:p>
             <a:pPr lvl="0"/>
             <a:r>
-              <a:rPr lang="en-US" smtClean="0"/>
+              <a:rPr lang="en-US"/>
               <a:t>Click to edit Master text styles</a:t>
             </a:r>
           </a:p>
           <a:p>
             <a:pPr lvl="1"/>
             <a:r>
-              <a:rPr lang="en-US" smtClean="0"/>
+              <a:rPr lang="en-US"/>
               <a:t>Second level</a:t>
             </a:r>
           </a:p>
           <a:p>
             <a:pPr lvl="2"/>
             <a:r>
-              <a:rPr lang="en-US" smtClean="0"/>
+              <a:rPr lang="en-US"/>
               <a:t>Third level</a:t>
             </a:r>
           </a:p>
           <a:p>
             <a:pPr lvl="3"/>
             <a:r>
-              <a:rPr lang="en-US" smtClean="0"/>
+              <a:rPr lang="en-US"/>
               <a:t>Fourth level</a:t>
             </a:r>
           </a:p>
           <a:p>
             <a:pPr lvl="4"/>
             <a:r>
-              <a:rPr lang="en-US" smtClean="0"/>
+              <a:rPr lang="en-US"/>
               <a:t>Fifth level</a:t>
             </a:r>
-            <a:endParaRPr lang="en-US"/>
           </a:p>
         </p:txBody>
       </p:sp>
@@ -3148,8 +3126,8 @@
         </p:nvSpPr>
         <p:spPr>
           <a:xfrm>
-            <a:off x="457200" y="6356350"/>
-            <a:ext cx="2133600" cy="365125"/>
+            <a:off x="457200" y="4767263"/>
+            <a:ext cx="2133600" cy="273844"/>
           </a:xfrm>
           <a:prstGeom prst="rect">
             <a:avLst/>
@@ -3159,7 +3137,7 @@
           <a:bodyPr anchor="ctr" bIns="45720" lIns="91440" rIns="91440" rtlCol="0" tIns="45720" vert="horz"/>
           <a:lstStyle>
             <a:lvl1pPr algn="l">
-              <a:defRPr sz="1200">
+              <a:defRPr sz="900">
                 <a:solidFill>
                   <a:schemeClr val="tx1">
                     <a:tint val="75000"/>
@@ -3171,7 +3149,7 @@
           <a:p>
             <a:fld id="{241EB5C9-1307-BA42-ABA2-0BC069CD8E7F}" type="datetimeFigureOut">
               <a:rPr lang="en-US" smtClean="0"/>
-              <a:t>4/5/2019</a:t>
+              <a:t>1/2/22</a:t>
             </a:fld>
             <a:endParaRPr lang="en-US"/>
           </a:p>
@@ -3189,8 +3167,8 @@
         </p:nvSpPr>
         <p:spPr>
           <a:xfrm>
-            <a:off x="3124200" y="6356350"/>
-            <a:ext cx="2895600" cy="365125"/>
+            <a:off x="3124200" y="4767263"/>
+            <a:ext cx="2895600" cy="273844"/>
           </a:xfrm>
           <a:prstGeom prst="rect">
             <a:avLst/>
@@ -3200,7 +3178,7 @@
           <a:bodyPr anchor="ctr" bIns="45720" lIns="91440" rIns="91440" rtlCol="0" tIns="45720" vert="horz"/>
           <a:lstStyle>
             <a:lvl1pPr algn="ctr">
-              <a:defRPr sz="1200">
+              <a:defRPr sz="900">
                 <a:solidFill>
                   <a:schemeClr val="tx1">
                     <a:tint val="75000"/>
@@ -3226,8 +3204,8 @@
         </p:nvSpPr>
         <p:spPr>
           <a:xfrm>
-            <a:off x="6553200" y="6356350"/>
-            <a:ext cx="2133600" cy="365125"/>
+            <a:off x="6553200" y="4767263"/>
+            <a:ext cx="2133600" cy="273844"/>
           </a:xfrm>
           <a:prstGeom prst="rect">
             <a:avLst/>
@@ -3237,7 +3215,7 @@
           <a:bodyPr anchor="ctr" bIns="45720" lIns="91440" rIns="91440" rtlCol="0" tIns="45720" vert="horz"/>
           <a:lstStyle>
             <a:lvl1pPr algn="r">
-              <a:defRPr sz="1200">
+              <a:defRPr sz="900">
                 <a:solidFill>
                   <a:schemeClr val="tx1">
                     <a:tint val="75000"/>
@@ -3278,12 +3256,12 @@
   </p:sldLayoutIdLst>
   <p:txStyles>
     <p:titleStyle>
-      <a:lvl1pPr algn="ctr" defTabSz="457200" eaLnBrk="1" hangingPunct="1" latinLnBrk="0" rtl="0">
+      <a:lvl1pPr algn="ctr" defTabSz="342900" eaLnBrk="1" hangingPunct="1" latinLnBrk="0" rtl="0">
         <a:spcBef>
           <a:spcPct val="0"/>
         </a:spcBef>
         <a:buNone/>
-        <a:defRPr kern="1200" sz="4400">
+        <a:defRPr kern="1200" sz="3300">
           <a:solidFill>
             <a:schemeClr val="tx1"/>
           </a:solidFill>
@@ -3294,37 +3272,7 @@
       </a:lvl1pPr>
     </p:titleStyle>
     <p:bodyStyle>
-      <a:lvl1pPr algn="l" defTabSz="457200" eaLnBrk="1" hangingPunct="1" indent="-457200" latinLnBrk="0" marL="457200" rtl="0">
-        <a:spcBef>
-          <a:spcPct val="20000"/>
-        </a:spcBef>
-        <a:buFont typeface="Arial"/>
-        <a:buChar char="•"/>
-        <a:defRPr kern="1200" sz="3200">
-          <a:solidFill>
-            <a:schemeClr val="tx1"/>
-          </a:solidFill>
-          <a:latin typeface="+mn-lt"/>
-          <a:ea typeface="+mn-ea"/>
-          <a:cs typeface="+mn-cs"/>
-        </a:defRPr>
-      </a:lvl1pPr>
-      <a:lvl2pPr algn="l" defTabSz="457200" eaLnBrk="1" hangingPunct="1" indent="-457200" latinLnBrk="0" marL="914400" rtl="0">
-        <a:spcBef>
-          <a:spcPct val="20000"/>
-        </a:spcBef>
-        <a:buFont typeface="Arial"/>
-        <a:buChar char="–"/>
-        <a:defRPr kern="1200" sz="2800">
-          <a:solidFill>
-            <a:schemeClr val="tx1"/>
-          </a:solidFill>
-          <a:latin typeface="+mn-lt"/>
-          <a:ea typeface="+mn-ea"/>
-          <a:cs typeface="+mn-cs"/>
-        </a:defRPr>
-      </a:lvl2pPr>
-      <a:lvl3pPr algn="l" defTabSz="457200" eaLnBrk="1" hangingPunct="1" indent="-457200" latinLnBrk="0" marL="1371600" rtl="0">
+      <a:lvl1pPr algn="l" defTabSz="342900" eaLnBrk="1" hangingPunct="1" indent="-342900" latinLnBrk="0" marL="342900" rtl="0">
         <a:spcBef>
           <a:spcPct val="20000"/>
         </a:spcBef>
@@ -3338,14 +3286,44 @@
           <a:ea typeface="+mn-ea"/>
           <a:cs typeface="+mn-cs"/>
         </a:defRPr>
-      </a:lvl3pPr>
-      <a:lvl4pPr algn="l" defTabSz="457200" eaLnBrk="1" hangingPunct="1" indent="-457200" latinLnBrk="0" marL="1828800" rtl="0">
+      </a:lvl1pPr>
+      <a:lvl2pPr algn="l" defTabSz="342900" eaLnBrk="1" hangingPunct="1" indent="-342900" latinLnBrk="0" marL="685800" rtl="0">
         <a:spcBef>
           <a:spcPct val="20000"/>
         </a:spcBef>
         <a:buFont typeface="Arial"/>
         <a:buChar char="–"/>
-        <a:defRPr kern="1200" sz="2000">
+        <a:defRPr kern="1200" sz="2100">
+          <a:solidFill>
+            <a:schemeClr val="tx1"/>
+          </a:solidFill>
+          <a:latin typeface="+mn-lt"/>
+          <a:ea typeface="+mn-ea"/>
+          <a:cs typeface="+mn-cs"/>
+        </a:defRPr>
+      </a:lvl2pPr>
+      <a:lvl3pPr algn="l" defTabSz="342900" eaLnBrk="1" hangingPunct="1" indent="-342900" latinLnBrk="0" marL="1028700" rtl="0">
+        <a:spcBef>
+          <a:spcPct val="20000"/>
+        </a:spcBef>
+        <a:buFont typeface="Arial"/>
+        <a:buChar char="•"/>
+        <a:defRPr kern="1200" sz="1800">
+          <a:solidFill>
+            <a:schemeClr val="tx1"/>
+          </a:solidFill>
+          <a:latin typeface="+mn-lt"/>
+          <a:ea typeface="+mn-ea"/>
+          <a:cs typeface="+mn-cs"/>
+        </a:defRPr>
+      </a:lvl3pPr>
+      <a:lvl4pPr algn="l" defTabSz="342900" eaLnBrk="1" hangingPunct="1" indent="-342900" latinLnBrk="0" marL="1371600" rtl="0">
+        <a:spcBef>
+          <a:spcPct val="20000"/>
+        </a:spcBef>
+        <a:buFont typeface="Arial"/>
+        <a:buChar char="–"/>
+        <a:defRPr kern="1200" sz="1500">
           <a:solidFill>
             <a:schemeClr val="tx1"/>
           </a:solidFill>
@@ -3354,13 +3332,13 @@
           <a:cs typeface="+mn-cs"/>
         </a:defRPr>
       </a:lvl4pPr>
-      <a:lvl5pPr algn="l" defTabSz="457200" eaLnBrk="1" hangingPunct="1" indent="-457200" latinLnBrk="0" marL="2286000" rtl="0">
+      <a:lvl5pPr algn="l" defTabSz="342900" eaLnBrk="1" hangingPunct="1" indent="-342900" latinLnBrk="0" marL="1714500" rtl="0">
         <a:spcBef>
           <a:spcPct val="20000"/>
         </a:spcBef>
         <a:buFont typeface="Arial"/>
         <a:buChar char="»"/>
-        <a:defRPr kern="1200" sz="2000">
+        <a:defRPr kern="1200" sz="1500">
           <a:solidFill>
             <a:schemeClr val="tx1"/>
           </a:solidFill>
@@ -3369,13 +3347,13 @@
           <a:cs typeface="+mn-cs"/>
         </a:defRPr>
       </a:lvl5pPr>
-      <a:lvl6pPr algn="l" defTabSz="457200" eaLnBrk="1" hangingPunct="1" indent="-457200" latinLnBrk="0" marL="2743200" rtl="0">
+      <a:lvl6pPr algn="l" defTabSz="342900" eaLnBrk="1" hangingPunct="1" indent="-342900" latinLnBrk="0" marL="2057400" rtl="0">
         <a:spcBef>
           <a:spcPct val="20000"/>
         </a:spcBef>
         <a:buFont typeface="Arial"/>
         <a:buChar char="•"/>
-        <a:defRPr kern="1200" sz="2000">
+        <a:defRPr kern="1200" sz="1500">
           <a:solidFill>
             <a:schemeClr val="tx1"/>
           </a:solidFill>
@@ -3384,13 +3362,13 @@
           <a:cs typeface="+mn-cs"/>
         </a:defRPr>
       </a:lvl6pPr>
-      <a:lvl7pPr algn="l" defTabSz="457200" eaLnBrk="1" hangingPunct="1" indent="-457200" latinLnBrk="0" marL="3200400" rtl="0">
+      <a:lvl7pPr algn="l" defTabSz="342900" eaLnBrk="1" hangingPunct="1" indent="-342900" latinLnBrk="0" marL="2400300" rtl="0">
         <a:spcBef>
           <a:spcPct val="20000"/>
         </a:spcBef>
         <a:buFont typeface="Arial"/>
         <a:buChar char="•"/>
-        <a:defRPr kern="1200" sz="2000">
+        <a:defRPr kern="1200" sz="1500">
           <a:solidFill>
             <a:schemeClr val="tx1"/>
           </a:solidFill>
@@ -3399,13 +3377,13 @@
           <a:cs typeface="+mn-cs"/>
         </a:defRPr>
       </a:lvl7pPr>
-      <a:lvl8pPr algn="l" defTabSz="457200" eaLnBrk="1" hangingPunct="1" indent="-457200" latinLnBrk="0" marL="3657600" rtl="0">
+      <a:lvl8pPr algn="l" defTabSz="342900" eaLnBrk="1" hangingPunct="1" indent="-342900" latinLnBrk="0" marL="2743200" rtl="0">
         <a:spcBef>
           <a:spcPct val="20000"/>
         </a:spcBef>
         <a:buFont typeface="Arial"/>
         <a:buChar char="•"/>
-        <a:defRPr kern="1200" sz="2000">
+        <a:defRPr kern="1200" sz="1500">
           <a:solidFill>
             <a:schemeClr val="tx1"/>
           </a:solidFill>
@@ -3414,13 +3392,13 @@
           <a:cs typeface="+mn-cs"/>
         </a:defRPr>
       </a:lvl8pPr>
-      <a:lvl9pPr algn="l" defTabSz="457200" eaLnBrk="1" hangingPunct="1" indent="-457200" latinLnBrk="0" marL="4114800" rtl="0">
+      <a:lvl9pPr algn="l" defTabSz="342900" eaLnBrk="1" hangingPunct="1" indent="-342900" latinLnBrk="0" marL="3086100" rtl="0">
         <a:spcBef>
           <a:spcPct val="20000"/>
         </a:spcBef>
         <a:buFont typeface="Arial"/>
         <a:buChar char="•"/>
-        <a:defRPr kern="1200" sz="2000">
+        <a:defRPr kern="1200" sz="1500">
           <a:solidFill>
             <a:schemeClr val="tx1"/>
           </a:solidFill>
@@ -3434,8 +3412,8 @@
       <a:defPPr>
         <a:defRPr lang="en-US"/>
       </a:defPPr>
-      <a:lvl1pPr algn="l" defTabSz="457200" eaLnBrk="1" hangingPunct="1" latinLnBrk="0" marL="0" rtl="0">
-        <a:defRPr kern="1200" sz="1800">
+      <a:lvl1pPr algn="l" defTabSz="342900" eaLnBrk="1" hangingPunct="1" latinLnBrk="0" marL="0" rtl="0">
+        <a:defRPr kern="1200" sz="1350">
           <a:solidFill>
             <a:schemeClr val="tx1"/>
           </a:solidFill>
@@ -3444,8 +3422,8 @@
           <a:cs typeface="+mn-cs"/>
         </a:defRPr>
       </a:lvl1pPr>
-      <a:lvl2pPr algn="l" defTabSz="457200" eaLnBrk="1" hangingPunct="1" latinLnBrk="0" marL="457200" rtl="0">
-        <a:defRPr kern="1200" sz="1800">
+      <a:lvl2pPr algn="l" defTabSz="342900" eaLnBrk="1" hangingPunct="1" latinLnBrk="0" marL="342900" rtl="0">
+        <a:defRPr kern="1200" sz="1350">
           <a:solidFill>
             <a:schemeClr val="tx1"/>
           </a:solidFill>
@@ -3454,8 +3432,8 @@
           <a:cs typeface="+mn-cs"/>
         </a:defRPr>
       </a:lvl2pPr>
-      <a:lvl3pPr algn="l" defTabSz="457200" eaLnBrk="1" hangingPunct="1" latinLnBrk="0" marL="914400" rtl="0">
-        <a:defRPr kern="1200" sz="1800">
+      <a:lvl3pPr algn="l" defTabSz="342900" eaLnBrk="1" hangingPunct="1" latinLnBrk="0" marL="685800" rtl="0">
+        <a:defRPr kern="1200" sz="1350">
           <a:solidFill>
             <a:schemeClr val="tx1"/>
           </a:solidFill>
@@ -3464,8 +3442,8 @@
           <a:cs typeface="+mn-cs"/>
         </a:defRPr>
       </a:lvl3pPr>
-      <a:lvl4pPr algn="l" defTabSz="457200" eaLnBrk="1" hangingPunct="1" latinLnBrk="0" marL="1371600" rtl="0">
-        <a:defRPr kern="1200" sz="1800">
+      <a:lvl4pPr algn="l" defTabSz="342900" eaLnBrk="1" hangingPunct="1" latinLnBrk="0" marL="1028700" rtl="0">
+        <a:defRPr kern="1200" sz="1350">
           <a:solidFill>
             <a:schemeClr val="tx1"/>
           </a:solidFill>
@@ -3474,8 +3452,8 @@
           <a:cs typeface="+mn-cs"/>
         </a:defRPr>
       </a:lvl4pPr>
-      <a:lvl5pPr algn="l" defTabSz="457200" eaLnBrk="1" hangingPunct="1" latinLnBrk="0" marL="1828800" rtl="0">
-        <a:defRPr kern="1200" sz="1800">
+      <a:lvl5pPr algn="l" defTabSz="342900" eaLnBrk="1" hangingPunct="1" latinLnBrk="0" marL="1371600" rtl="0">
+        <a:defRPr kern="1200" sz="1350">
           <a:solidFill>
             <a:schemeClr val="tx1"/>
           </a:solidFill>
@@ -3484,8 +3462,8 @@
           <a:cs typeface="+mn-cs"/>
         </a:defRPr>
       </a:lvl5pPr>
-      <a:lvl6pPr algn="l" defTabSz="457200" eaLnBrk="1" hangingPunct="1" latinLnBrk="0" marL="2286000" rtl="0">
-        <a:defRPr kern="1200" sz="1800">
+      <a:lvl6pPr algn="l" defTabSz="342900" eaLnBrk="1" hangingPunct="1" latinLnBrk="0" marL="1714500" rtl="0">
+        <a:defRPr kern="1200" sz="1350">
           <a:solidFill>
             <a:schemeClr val="tx1"/>
           </a:solidFill>
@@ -3494,8 +3472,8 @@
           <a:cs typeface="+mn-cs"/>
         </a:defRPr>
       </a:lvl6pPr>
-      <a:lvl7pPr algn="l" defTabSz="457200" eaLnBrk="1" hangingPunct="1" latinLnBrk="0" marL="2743200" rtl="0">
-        <a:defRPr kern="1200" sz="1800">
+      <a:lvl7pPr algn="l" defTabSz="342900" eaLnBrk="1" hangingPunct="1" latinLnBrk="0" marL="2057400" rtl="0">
+        <a:defRPr kern="1200" sz="1350">
           <a:solidFill>
             <a:schemeClr val="tx1"/>
           </a:solidFill>
@@ -3504,8 +3482,8 @@
           <a:cs typeface="+mn-cs"/>
         </a:defRPr>
       </a:lvl7pPr>
-      <a:lvl8pPr algn="l" defTabSz="457200" eaLnBrk="1" hangingPunct="1" latinLnBrk="0" marL="3200400" rtl="0">
-        <a:defRPr kern="1200" sz="1800">
+      <a:lvl8pPr algn="l" defTabSz="342900" eaLnBrk="1" hangingPunct="1" latinLnBrk="0" marL="2400300" rtl="0">
+        <a:defRPr kern="1200" sz="1350">
           <a:solidFill>
             <a:schemeClr val="tx1"/>
           </a:solidFill>
@@ -3514,8 +3492,8 @@
           <a:cs typeface="+mn-cs"/>
         </a:defRPr>
       </a:lvl8pPr>
-      <a:lvl9pPr algn="l" defTabSz="457200" eaLnBrk="1" hangingPunct="1" latinLnBrk="0" marL="3657600" rtl="0">
-        <a:defRPr kern="1200" sz="1800">
+      <a:lvl9pPr algn="l" defTabSz="342900" eaLnBrk="1" hangingPunct="1" latinLnBrk="0" marL="2743200" rtl="0">
+        <a:defRPr kern="1200" sz="1350">
           <a:solidFill>
             <a:schemeClr val="tx1"/>
           </a:solidFill>
